--- a/3/presentation/Angular 3.pptx
+++ b/3/presentation/Angular 3.pptx
@@ -221,7 +221,7 @@
           <a:p>
             <a:fld id="{A7D59A82-B575-4226-8A09-A5B072479177}" type="datetimeFigureOut">
               <a:rPr lang="pl-PL" smtClean="0"/>
-              <a:t>18.11.2020</a:t>
+              <a:t>20.11.2020</a:t>
             </a:fld>
             <a:endParaRPr lang="pl-PL"/>
           </a:p>
@@ -1622,7 +1622,7 @@
           <a:p>
             <a:fld id="{5E543113-3ECC-4DC9-B636-16B32516798D}" type="datetimeFigureOut">
               <a:rPr lang="pl-PL" smtClean="0"/>
-              <a:t>18.11.2020</a:t>
+              <a:t>20.11.2020</a:t>
             </a:fld>
             <a:endParaRPr lang="pl-PL"/>
           </a:p>
@@ -1822,7 +1822,7 @@
           <a:p>
             <a:fld id="{5E543113-3ECC-4DC9-B636-16B32516798D}" type="datetimeFigureOut">
               <a:rPr lang="pl-PL" smtClean="0"/>
-              <a:t>18.11.2020</a:t>
+              <a:t>20.11.2020</a:t>
             </a:fld>
             <a:endParaRPr lang="pl-PL"/>
           </a:p>
@@ -2032,7 +2032,7 @@
           <a:p>
             <a:fld id="{5E543113-3ECC-4DC9-B636-16B32516798D}" type="datetimeFigureOut">
               <a:rPr lang="pl-PL" smtClean="0"/>
-              <a:t>18.11.2020</a:t>
+              <a:t>20.11.2020</a:t>
             </a:fld>
             <a:endParaRPr lang="pl-PL"/>
           </a:p>
@@ -2232,7 +2232,7 @@
           <a:p>
             <a:fld id="{5E543113-3ECC-4DC9-B636-16B32516798D}" type="datetimeFigureOut">
               <a:rPr lang="pl-PL" smtClean="0"/>
-              <a:t>18.11.2020</a:t>
+              <a:t>20.11.2020</a:t>
             </a:fld>
             <a:endParaRPr lang="pl-PL"/>
           </a:p>
@@ -2508,7 +2508,7 @@
           <a:p>
             <a:fld id="{5E543113-3ECC-4DC9-B636-16B32516798D}" type="datetimeFigureOut">
               <a:rPr lang="pl-PL" smtClean="0"/>
-              <a:t>18.11.2020</a:t>
+              <a:t>20.11.2020</a:t>
             </a:fld>
             <a:endParaRPr lang="pl-PL"/>
           </a:p>
@@ -2776,7 +2776,7 @@
           <a:p>
             <a:fld id="{5E543113-3ECC-4DC9-B636-16B32516798D}" type="datetimeFigureOut">
               <a:rPr lang="pl-PL" smtClean="0"/>
-              <a:t>18.11.2020</a:t>
+              <a:t>20.11.2020</a:t>
             </a:fld>
             <a:endParaRPr lang="pl-PL"/>
           </a:p>
@@ -3191,7 +3191,7 @@
           <a:p>
             <a:fld id="{5E543113-3ECC-4DC9-B636-16B32516798D}" type="datetimeFigureOut">
               <a:rPr lang="pl-PL" smtClean="0"/>
-              <a:t>18.11.2020</a:t>
+              <a:t>20.11.2020</a:t>
             </a:fld>
             <a:endParaRPr lang="pl-PL"/>
           </a:p>
@@ -3333,7 +3333,7 @@
           <a:p>
             <a:fld id="{5E543113-3ECC-4DC9-B636-16B32516798D}" type="datetimeFigureOut">
               <a:rPr lang="pl-PL" smtClean="0"/>
-              <a:t>18.11.2020</a:t>
+              <a:t>20.11.2020</a:t>
             </a:fld>
             <a:endParaRPr lang="pl-PL"/>
           </a:p>
@@ -3446,7 +3446,7 @@
           <a:p>
             <a:fld id="{5E543113-3ECC-4DC9-B636-16B32516798D}" type="datetimeFigureOut">
               <a:rPr lang="pl-PL" smtClean="0"/>
-              <a:t>18.11.2020</a:t>
+              <a:t>20.11.2020</a:t>
             </a:fld>
             <a:endParaRPr lang="pl-PL"/>
           </a:p>
@@ -3759,7 +3759,7 @@
           <a:p>
             <a:fld id="{5E543113-3ECC-4DC9-B636-16B32516798D}" type="datetimeFigureOut">
               <a:rPr lang="pl-PL" smtClean="0"/>
-              <a:t>18.11.2020</a:t>
+              <a:t>20.11.2020</a:t>
             </a:fld>
             <a:endParaRPr lang="pl-PL"/>
           </a:p>
@@ -4048,7 +4048,7 @@
           <a:p>
             <a:fld id="{5E543113-3ECC-4DC9-B636-16B32516798D}" type="datetimeFigureOut">
               <a:rPr lang="pl-PL" smtClean="0"/>
-              <a:t>18.11.2020</a:t>
+              <a:t>20.11.2020</a:t>
             </a:fld>
             <a:endParaRPr lang="pl-PL"/>
           </a:p>
@@ -4291,7 +4291,7 @@
           <a:p>
             <a:fld id="{5E543113-3ECC-4DC9-B636-16B32516798D}" type="datetimeFigureOut">
               <a:rPr lang="pl-PL" smtClean="0"/>
-              <a:t>18.11.2020</a:t>
+              <a:t>20.11.2020</a:t>
             </a:fld>
             <a:endParaRPr lang="pl-PL"/>
           </a:p>
@@ -11800,31 +11800,38 @@
           </a:p>
         </p:txBody>
       </p:sp>
-      <p:sp>
-        <p:nvSpPr>
-          <p:cNvPr id="5" name="Content Placeholder 4">
+      <p:pic>
+        <p:nvPicPr>
+          <p:cNvPr id="4" name="Content Placeholder 3">
             <a:extLst>
               <a:ext uri="{FF2B5EF4-FFF2-40B4-BE49-F238E27FC236}">
-                <a16:creationId xmlns:a16="http://schemas.microsoft.com/office/drawing/2014/main" id="{0BEFEF05-E9E3-4856-8A0B-4A733B68F819}"/>
+                <a16:creationId xmlns:a16="http://schemas.microsoft.com/office/drawing/2014/main" id="{53AFDA3A-E641-436C-938A-4DDB1DE5A048}"/>
               </a:ext>
             </a:extLst>
           </p:cNvPr>
-          <p:cNvSpPr>
-            <a:spLocks noGrp="1"/>
-          </p:cNvSpPr>
+          <p:cNvPicPr>
+            <a:picLocks noGrp="1" noChangeAspect="1"/>
+          </p:cNvPicPr>
           <p:nvPr>
             <p:ph sz="half" idx="2"/>
           </p:nvPr>
-        </p:nvSpPr>
-        <p:spPr/>
-        <p:txBody>
-          <a:bodyPr/>
-          <a:lstStyle/>
-          <a:p>
-            <a:endParaRPr lang="pl-PL"/>
-          </a:p>
-        </p:txBody>
-      </p:sp>
+        </p:nvPicPr>
+        <p:blipFill>
+          <a:blip r:embed="rId2"/>
+          <a:stretch>
+            <a:fillRect/>
+          </a:stretch>
+        </p:blipFill>
+        <p:spPr>
+          <a:xfrm>
+            <a:off x="6172202" y="1946412"/>
+            <a:ext cx="5181600" cy="1915203"/>
+          </a:xfrm>
+          <a:prstGeom prst="rect">
+            <a:avLst/>
+          </a:prstGeom>
+        </p:spPr>
+      </p:pic>
     </p:spTree>
     <p:extLst>
       <p:ext uri="{BB962C8B-B14F-4D97-AF65-F5344CB8AC3E}">

--- a/3/presentation/Angular 3.pptx
+++ b/3/presentation/Angular 3.pptx
@@ -5,34 +5,33 @@
     <p:sldMasterId id="2147483648" r:id="rId1"/>
   </p:sldMasterIdLst>
   <p:notesMasterIdLst>
-    <p:notesMasterId r:id="rId27"/>
+    <p:notesMasterId r:id="rId26"/>
   </p:notesMasterIdLst>
   <p:sldIdLst>
     <p:sldId id="343" r:id="rId2"/>
-    <p:sldId id="342" r:id="rId3"/>
-    <p:sldId id="328" r:id="rId4"/>
-    <p:sldId id="325" r:id="rId5"/>
-    <p:sldId id="326" r:id="rId6"/>
-    <p:sldId id="329" r:id="rId7"/>
-    <p:sldId id="332" r:id="rId8"/>
-    <p:sldId id="333" r:id="rId9"/>
-    <p:sldId id="335" r:id="rId10"/>
-    <p:sldId id="336" r:id="rId11"/>
-    <p:sldId id="337" r:id="rId12"/>
-    <p:sldId id="334" r:id="rId13"/>
-    <p:sldId id="344" r:id="rId14"/>
-    <p:sldId id="348" r:id="rId15"/>
-    <p:sldId id="345" r:id="rId16"/>
-    <p:sldId id="346" r:id="rId17"/>
-    <p:sldId id="338" r:id="rId18"/>
-    <p:sldId id="349" r:id="rId19"/>
-    <p:sldId id="339" r:id="rId20"/>
-    <p:sldId id="350" r:id="rId21"/>
-    <p:sldId id="340" r:id="rId22"/>
-    <p:sldId id="351" r:id="rId23"/>
-    <p:sldId id="287" r:id="rId24"/>
-    <p:sldId id="288" r:id="rId25"/>
-    <p:sldId id="317" r:id="rId26"/>
+    <p:sldId id="328" r:id="rId3"/>
+    <p:sldId id="325" r:id="rId4"/>
+    <p:sldId id="326" r:id="rId5"/>
+    <p:sldId id="329" r:id="rId6"/>
+    <p:sldId id="332" r:id="rId7"/>
+    <p:sldId id="333" r:id="rId8"/>
+    <p:sldId id="335" r:id="rId9"/>
+    <p:sldId id="336" r:id="rId10"/>
+    <p:sldId id="337" r:id="rId11"/>
+    <p:sldId id="334" r:id="rId12"/>
+    <p:sldId id="344" r:id="rId13"/>
+    <p:sldId id="348" r:id="rId14"/>
+    <p:sldId id="345" r:id="rId15"/>
+    <p:sldId id="346" r:id="rId16"/>
+    <p:sldId id="338" r:id="rId17"/>
+    <p:sldId id="349" r:id="rId18"/>
+    <p:sldId id="339" r:id="rId19"/>
+    <p:sldId id="350" r:id="rId20"/>
+    <p:sldId id="340" r:id="rId21"/>
+    <p:sldId id="351" r:id="rId22"/>
+    <p:sldId id="287" r:id="rId23"/>
+    <p:sldId id="288" r:id="rId24"/>
+    <p:sldId id="317" r:id="rId25"/>
   </p:sldIdLst>
   <p:sldSz cx="12192000" cy="6858000"/>
   <p:notesSz cx="6858000" cy="9144000"/>
@@ -221,7 +220,7 @@
           <a:p>
             <a:fld id="{A7D59A82-B575-4226-8A09-A5B072479177}" type="datetimeFigureOut">
               <a:rPr lang="pl-PL" smtClean="0"/>
-              <a:t>20.11.2020</a:t>
+              <a:t>18.02.2021</a:t>
             </a:fld>
             <a:endParaRPr lang="pl-PL"/>
           </a:p>
@@ -554,7 +553,7 @@
           <a:p>
             <a:fld id="{F89D2610-1426-4EFD-83D2-2399D4353A5D}" type="slidenum">
               <a:rPr lang="pl-PL" smtClean="0"/>
-              <a:t>2</a:t>
+              <a:t>3</a:t>
             </a:fld>
             <a:endParaRPr lang="pl-PL"/>
           </a:p>
@@ -563,7 +562,7 @@
     </p:spTree>
     <p:extLst>
       <p:ext uri="{BB962C8B-B14F-4D97-AF65-F5344CB8AC3E}">
-        <p14:creationId xmlns:p14="http://schemas.microsoft.com/office/powerpoint/2010/main" val="3675294855"/>
+        <p14:creationId xmlns:p14="http://schemas.microsoft.com/office/powerpoint/2010/main" val="1835544261"/>
       </p:ext>
     </p:extLst>
   </p:cSld>
@@ -639,90 +638,6 @@
             <a:fld id="{F89D2610-1426-4EFD-83D2-2399D4353A5D}" type="slidenum">
               <a:rPr lang="pl-PL" smtClean="0"/>
               <a:t>24</a:t>
-            </a:fld>
-            <a:endParaRPr lang="pl-PL"/>
-          </a:p>
-        </p:txBody>
-      </p:sp>
-    </p:spTree>
-    <p:extLst>
-      <p:ext uri="{BB962C8B-B14F-4D97-AF65-F5344CB8AC3E}">
-        <p14:creationId xmlns:p14="http://schemas.microsoft.com/office/powerpoint/2010/main" val="65348585"/>
-      </p:ext>
-    </p:extLst>
-  </p:cSld>
-  <p:clrMapOvr>
-    <a:masterClrMapping/>
-  </p:clrMapOvr>
-</p:notes>
-</file>
-
-<file path=ppt/notesSlides/notesSlide11.xml><?xml version="1.0" encoding="utf-8"?>
-<p:notes xmlns:a="http://schemas.openxmlformats.org/drawingml/2006/main" xmlns:r="http://schemas.openxmlformats.org/officeDocument/2006/relationships" xmlns:p="http://schemas.openxmlformats.org/presentationml/2006/main">
-  <p:cSld>
-    <p:spTree>
-      <p:nvGrpSpPr>
-        <p:cNvPr id="1" name=""/>
-        <p:cNvGrpSpPr/>
-        <p:nvPr/>
-      </p:nvGrpSpPr>
-      <p:grpSpPr>
-        <a:xfrm>
-          <a:off x="0" y="0"/>
-          <a:ext cx="0" cy="0"/>
-          <a:chOff x="0" y="0"/>
-          <a:chExt cx="0" cy="0"/>
-        </a:xfrm>
-      </p:grpSpPr>
-      <p:sp>
-        <p:nvSpPr>
-          <p:cNvPr id="2" name="Slide Image Placeholder 1"/>
-          <p:cNvSpPr>
-            <a:spLocks noGrp="1" noRot="1" noChangeAspect="1"/>
-          </p:cNvSpPr>
-          <p:nvPr>
-            <p:ph type="sldImg"/>
-          </p:nvPr>
-        </p:nvSpPr>
-        <p:spPr/>
-      </p:sp>
-      <p:sp>
-        <p:nvSpPr>
-          <p:cNvPr id="3" name="Notes Placeholder 2"/>
-          <p:cNvSpPr>
-            <a:spLocks noGrp="1"/>
-          </p:cNvSpPr>
-          <p:nvPr>
-            <p:ph type="body" idx="1"/>
-          </p:nvPr>
-        </p:nvSpPr>
-        <p:spPr/>
-        <p:txBody>
-          <a:bodyPr/>
-          <a:lstStyle/>
-          <a:p>
-            <a:endParaRPr lang="pl-PL" dirty="0"/>
-          </a:p>
-        </p:txBody>
-      </p:sp>
-      <p:sp>
-        <p:nvSpPr>
-          <p:cNvPr id="4" name="Slide Number Placeholder 3"/>
-          <p:cNvSpPr>
-            <a:spLocks noGrp="1"/>
-          </p:cNvSpPr>
-          <p:nvPr>
-            <p:ph type="sldNum" sz="quarter" idx="5"/>
-          </p:nvPr>
-        </p:nvSpPr>
-        <p:spPr/>
-        <p:txBody>
-          <a:bodyPr/>
-          <a:lstStyle/>
-          <a:p>
-            <a:fld id="{F89D2610-1426-4EFD-83D2-2399D4353A5D}" type="slidenum">
-              <a:rPr lang="pl-PL" smtClean="0"/>
-              <a:t>25</a:t>
             </a:fld>
             <a:endParaRPr lang="pl-PL"/>
           </a:p>
@@ -815,7 +730,7 @@
     </p:spTree>
     <p:extLst>
       <p:ext uri="{BB962C8B-B14F-4D97-AF65-F5344CB8AC3E}">
-        <p14:creationId xmlns:p14="http://schemas.microsoft.com/office/powerpoint/2010/main" val="1835544261"/>
+        <p14:creationId xmlns:p14="http://schemas.microsoft.com/office/powerpoint/2010/main" val="3905320217"/>
       </p:ext>
     </p:extLst>
   </p:cSld>
@@ -869,6 +784,46 @@
           <a:bodyPr/>
           <a:lstStyle/>
           <a:p>
+            <a:r>
+              <a:rPr lang="pl-PL" sz="1200" b="0" i="0" u="none" strike="noStrike" kern="1200" dirty="0">
+                <a:solidFill>
+                  <a:schemeClr val="tx1"/>
+                </a:solidFill>
+                <a:effectLst/>
+                <a:latin typeface="+mn-lt"/>
+                <a:ea typeface="+mn-ea"/>
+                <a:cs typeface="+mn-cs"/>
+              </a:rPr>
+              <a:t>Przykłady sekwencji: backend web service, zbiór powiadomień z systemu, stream eventów (np. user input),</a:t>
+            </a:r>
+          </a:p>
+          <a:p>
+            <a:r>
+              <a:rPr lang="pl-PL" sz="1200" b="0" i="0" u="none" strike="noStrike" kern="1200" dirty="0">
+                <a:solidFill>
+                  <a:schemeClr val="tx1"/>
+                </a:solidFill>
+                <a:effectLst/>
+                <a:latin typeface="+mn-lt"/>
+                <a:ea typeface="+mn-ea"/>
+                <a:cs typeface="+mn-cs"/>
+              </a:rPr>
+              <a:t>Reactive extensions reprezentują sekwencję danych jako sekwencję observables.</a:t>
+            </a:r>
+          </a:p>
+          <a:p>
+            <a:r>
+              <a:rPr lang="pl-PL" sz="1200" b="0" i="0" u="none" strike="noStrike" kern="1200" dirty="0">
+                <a:solidFill>
+                  <a:schemeClr val="tx1"/>
+                </a:solidFill>
+                <a:effectLst/>
+                <a:latin typeface="+mn-lt"/>
+                <a:ea typeface="+mn-ea"/>
+                <a:cs typeface="+mn-cs"/>
+              </a:rPr>
+              <a:t>Metoda w naszym kodzie może subskrybować (subscribe) observables, aby otrzymać asynchroniczne powiadomienie, gdy pojawią się nowe dane. Metoda zostanie równiez powiadomiona, jeżele nie będzie więcej danych lub wystąpi błąd.</a:t>
+            </a:r>
             <a:endParaRPr lang="pl-PL" dirty="0"/>
           </a:p>
         </p:txBody>
@@ -880,7 +835,7 @@
             <a:spLocks noGrp="1"/>
           </p:cNvSpPr>
           <p:nvPr>
-            <p:ph type="sldNum" sz="quarter" idx="5"/>
+            <p:ph type="sldNum" sz="quarter" idx="10"/>
           </p:nvPr>
         </p:nvSpPr>
         <p:spPr/>
@@ -899,7 +854,7 @@
     </p:spTree>
     <p:extLst>
       <p:ext uri="{BB962C8B-B14F-4D97-AF65-F5344CB8AC3E}">
-        <p14:creationId xmlns:p14="http://schemas.microsoft.com/office/powerpoint/2010/main" val="3905320217"/>
+        <p14:creationId xmlns:p14="http://schemas.microsoft.com/office/powerpoint/2010/main" val="600469608"/>
       </p:ext>
     </p:extLst>
   </p:cSld>
@@ -953,46 +908,6 @@
           <a:bodyPr/>
           <a:lstStyle/>
           <a:p>
-            <a:r>
-              <a:rPr lang="pl-PL" sz="1200" b="0" i="0" u="none" strike="noStrike" kern="1200" dirty="0">
-                <a:solidFill>
-                  <a:schemeClr val="tx1"/>
-                </a:solidFill>
-                <a:effectLst/>
-                <a:latin typeface="+mn-lt"/>
-                <a:ea typeface="+mn-ea"/>
-                <a:cs typeface="+mn-cs"/>
-              </a:rPr>
-              <a:t>Przykłady sekwencji: backend web service, zbiór powiadomień z systemu, stream eventów (np. user input),</a:t>
-            </a:r>
-          </a:p>
-          <a:p>
-            <a:r>
-              <a:rPr lang="pl-PL" sz="1200" b="0" i="0" u="none" strike="noStrike" kern="1200" dirty="0">
-                <a:solidFill>
-                  <a:schemeClr val="tx1"/>
-                </a:solidFill>
-                <a:effectLst/>
-                <a:latin typeface="+mn-lt"/>
-                <a:ea typeface="+mn-ea"/>
-                <a:cs typeface="+mn-cs"/>
-              </a:rPr>
-              <a:t>Reactive extensions reprezentują sekwencję danych jako sekwencję observables.</a:t>
-            </a:r>
-          </a:p>
-          <a:p>
-            <a:r>
-              <a:rPr lang="pl-PL" sz="1200" b="0" i="0" u="none" strike="noStrike" kern="1200" dirty="0">
-                <a:solidFill>
-                  <a:schemeClr val="tx1"/>
-                </a:solidFill>
-                <a:effectLst/>
-                <a:latin typeface="+mn-lt"/>
-                <a:ea typeface="+mn-ea"/>
-                <a:cs typeface="+mn-cs"/>
-              </a:rPr>
-              <a:t>Metoda w naszym kodzie może subskrybować (subscribe) observables, aby otrzymać asynchroniczne powiadomienie, gdy pojawią się nowe dane. Metoda zostanie równiez powiadomiona, jeżele nie będzie więcej danych lub wystąpi błąd.</a:t>
-            </a:r>
             <a:endParaRPr lang="pl-PL" dirty="0"/>
           </a:p>
         </p:txBody>
@@ -1023,7 +938,7 @@
     </p:spTree>
     <p:extLst>
       <p:ext uri="{BB962C8B-B14F-4D97-AF65-F5344CB8AC3E}">
-        <p14:creationId xmlns:p14="http://schemas.microsoft.com/office/powerpoint/2010/main" val="600469608"/>
+        <p14:creationId xmlns:p14="http://schemas.microsoft.com/office/powerpoint/2010/main" val="11071561"/>
       </p:ext>
     </p:extLst>
   </p:cSld>
@@ -1098,7 +1013,7 @@
           <a:p>
             <a:fld id="{F89D2610-1426-4EFD-83D2-2399D4353A5D}" type="slidenum">
               <a:rPr lang="pl-PL" smtClean="0"/>
-              <a:t>7</a:t>
+              <a:t>10</a:t>
             </a:fld>
             <a:endParaRPr lang="pl-PL"/>
           </a:p>
@@ -1107,7 +1022,7 @@
     </p:spTree>
     <p:extLst>
       <p:ext uri="{BB962C8B-B14F-4D97-AF65-F5344CB8AC3E}">
-        <p14:creationId xmlns:p14="http://schemas.microsoft.com/office/powerpoint/2010/main" val="11071561"/>
+        <p14:creationId xmlns:p14="http://schemas.microsoft.com/office/powerpoint/2010/main" val="3507122113"/>
       </p:ext>
     </p:extLst>
   </p:cSld>
@@ -1161,6 +1076,14 @@
           <a:bodyPr/>
           <a:lstStyle/>
           <a:p>
+            <a:r>
+              <a:rPr lang="pl-PL" dirty="0"/>
+              <a:t>http </a:t>
+            </a:r>
+            <a:r>
+              <a:rPr lang="pl-PL" dirty="0" err="1"/>
+              <a:t>requests</a:t>
+            </a:r>
             <a:endParaRPr lang="pl-PL" dirty="0"/>
           </a:p>
         </p:txBody>
@@ -1172,7 +1095,7 @@
             <a:spLocks noGrp="1"/>
           </p:cNvSpPr>
           <p:nvPr>
-            <p:ph type="sldNum" sz="quarter" idx="10"/>
+            <p:ph type="sldNum" sz="quarter" idx="5"/>
           </p:nvPr>
         </p:nvSpPr>
         <p:spPr/>
@@ -1182,7 +1105,7 @@
           <a:p>
             <a:fld id="{F89D2610-1426-4EFD-83D2-2399D4353A5D}" type="slidenum">
               <a:rPr lang="pl-PL" smtClean="0"/>
-              <a:t>11</a:t>
+              <a:t>12</a:t>
             </a:fld>
             <a:endParaRPr lang="pl-PL"/>
           </a:p>
@@ -1191,7 +1114,7 @@
     </p:spTree>
     <p:extLst>
       <p:ext uri="{BB962C8B-B14F-4D97-AF65-F5344CB8AC3E}">
-        <p14:creationId xmlns:p14="http://schemas.microsoft.com/office/powerpoint/2010/main" val="3507122113"/>
+        <p14:creationId xmlns:p14="http://schemas.microsoft.com/office/powerpoint/2010/main" val="1219566912"/>
       </p:ext>
     </p:extLst>
   </p:cSld>
@@ -1247,13 +1170,14 @@
           <a:p>
             <a:r>
               <a:rPr lang="pl-PL" dirty="0"/>
-              <a:t>http </a:t>
-            </a:r>
-            <a:r>
-              <a:rPr lang="pl-PL" dirty="0" err="1"/>
-              <a:t>requests</a:t>
-            </a:r>
-            <a:endParaRPr lang="pl-PL" dirty="0"/>
+              <a:t>Nie ma slashy przed ścieżką</a:t>
+            </a:r>
+          </a:p>
+          <a:p>
+            <a:r>
+              <a:rPr lang="pl-PL" dirty="0"/>
+              <a:t>Kolejnośc ma znaczenie</a:t>
+            </a:r>
           </a:p>
         </p:txBody>
       </p:sp>
@@ -1264,7 +1188,7 @@
             <a:spLocks noGrp="1"/>
           </p:cNvSpPr>
           <p:nvPr>
-            <p:ph type="sldNum" sz="quarter" idx="5"/>
+            <p:ph type="sldNum" sz="quarter" idx="10"/>
           </p:nvPr>
         </p:nvSpPr>
         <p:spPr/>
@@ -1274,7 +1198,7 @@
           <a:p>
             <a:fld id="{F89D2610-1426-4EFD-83D2-2399D4353A5D}" type="slidenum">
               <a:rPr lang="pl-PL" smtClean="0"/>
-              <a:t>13</a:t>
+              <a:t>18</a:t>
             </a:fld>
             <a:endParaRPr lang="pl-PL"/>
           </a:p>
@@ -1283,7 +1207,7 @@
     </p:spTree>
     <p:extLst>
       <p:ext uri="{BB962C8B-B14F-4D97-AF65-F5344CB8AC3E}">
-        <p14:creationId xmlns:p14="http://schemas.microsoft.com/office/powerpoint/2010/main" val="1219566912"/>
+        <p14:creationId xmlns:p14="http://schemas.microsoft.com/office/powerpoint/2010/main" val="1469741565"/>
       </p:ext>
     </p:extLst>
   </p:cSld>
@@ -1339,13 +1263,7 @@
           <a:p>
             <a:r>
               <a:rPr lang="pl-PL" dirty="0"/>
-              <a:t>Nie ma slashy przed ścieżką</a:t>
-            </a:r>
-          </a:p>
-          <a:p>
-            <a:r>
-              <a:rPr lang="pl-PL" dirty="0"/>
-              <a:t>Kolejnośc ma znaczenie</a:t>
+              <a:t>Musi być dostarczony na poziomie modułu</a:t>
             </a:r>
           </a:p>
         </p:txBody>
@@ -1367,7 +1285,7 @@
           <a:p>
             <a:fld id="{F89D2610-1426-4EFD-83D2-2399D4353A5D}" type="slidenum">
               <a:rPr lang="pl-PL" smtClean="0"/>
-              <a:t>19</a:t>
+              <a:t>20</a:t>
             </a:fld>
             <a:endParaRPr lang="pl-PL"/>
           </a:p>
@@ -1376,7 +1294,7 @@
     </p:spTree>
     <p:extLst>
       <p:ext uri="{BB962C8B-B14F-4D97-AF65-F5344CB8AC3E}">
-        <p14:creationId xmlns:p14="http://schemas.microsoft.com/office/powerpoint/2010/main" val="1469741565"/>
+        <p14:creationId xmlns:p14="http://schemas.microsoft.com/office/powerpoint/2010/main" val="1633879643"/>
       </p:ext>
     </p:extLst>
   </p:cSld>
@@ -1430,10 +1348,7 @@
           <a:bodyPr/>
           <a:lstStyle/>
           <a:p>
-            <a:r>
-              <a:rPr lang="pl-PL" dirty="0"/>
-              <a:t>Musi być dostarczony na poziomie modułu</a:t>
-            </a:r>
+            <a:endParaRPr lang="pl-PL" dirty="0"/>
           </a:p>
         </p:txBody>
       </p:sp>
@@ -1444,7 +1359,7 @@
             <a:spLocks noGrp="1"/>
           </p:cNvSpPr>
           <p:nvPr>
-            <p:ph type="sldNum" sz="quarter" idx="10"/>
+            <p:ph type="sldNum" sz="quarter" idx="5"/>
           </p:nvPr>
         </p:nvSpPr>
         <p:spPr/>
@@ -1454,7 +1369,7 @@
           <a:p>
             <a:fld id="{F89D2610-1426-4EFD-83D2-2399D4353A5D}" type="slidenum">
               <a:rPr lang="pl-PL" smtClean="0"/>
-              <a:t>21</a:t>
+              <a:t>23</a:t>
             </a:fld>
             <a:endParaRPr lang="pl-PL"/>
           </a:p>
@@ -1463,7 +1378,7 @@
     </p:spTree>
     <p:extLst>
       <p:ext uri="{BB962C8B-B14F-4D97-AF65-F5344CB8AC3E}">
-        <p14:creationId xmlns:p14="http://schemas.microsoft.com/office/powerpoint/2010/main" val="1633879643"/>
+        <p14:creationId xmlns:p14="http://schemas.microsoft.com/office/powerpoint/2010/main" val="65348585"/>
       </p:ext>
     </p:extLst>
   </p:cSld>
@@ -1622,7 +1537,7 @@
           <a:p>
             <a:fld id="{5E543113-3ECC-4DC9-B636-16B32516798D}" type="datetimeFigureOut">
               <a:rPr lang="pl-PL" smtClean="0"/>
-              <a:t>20.11.2020</a:t>
+              <a:t>18.02.2021</a:t>
             </a:fld>
             <a:endParaRPr lang="pl-PL"/>
           </a:p>
@@ -1822,7 +1737,7 @@
           <a:p>
             <a:fld id="{5E543113-3ECC-4DC9-B636-16B32516798D}" type="datetimeFigureOut">
               <a:rPr lang="pl-PL" smtClean="0"/>
-              <a:t>20.11.2020</a:t>
+              <a:t>18.02.2021</a:t>
             </a:fld>
             <a:endParaRPr lang="pl-PL"/>
           </a:p>
@@ -2032,7 +1947,7 @@
           <a:p>
             <a:fld id="{5E543113-3ECC-4DC9-B636-16B32516798D}" type="datetimeFigureOut">
               <a:rPr lang="pl-PL" smtClean="0"/>
-              <a:t>20.11.2020</a:t>
+              <a:t>18.02.2021</a:t>
             </a:fld>
             <a:endParaRPr lang="pl-PL"/>
           </a:p>
@@ -2232,7 +2147,7 @@
           <a:p>
             <a:fld id="{5E543113-3ECC-4DC9-B636-16B32516798D}" type="datetimeFigureOut">
               <a:rPr lang="pl-PL" smtClean="0"/>
-              <a:t>20.11.2020</a:t>
+              <a:t>18.02.2021</a:t>
             </a:fld>
             <a:endParaRPr lang="pl-PL"/>
           </a:p>
@@ -2508,7 +2423,7 @@
           <a:p>
             <a:fld id="{5E543113-3ECC-4DC9-B636-16B32516798D}" type="datetimeFigureOut">
               <a:rPr lang="pl-PL" smtClean="0"/>
-              <a:t>20.11.2020</a:t>
+              <a:t>18.02.2021</a:t>
             </a:fld>
             <a:endParaRPr lang="pl-PL"/>
           </a:p>
@@ -2776,7 +2691,7 @@
           <a:p>
             <a:fld id="{5E543113-3ECC-4DC9-B636-16B32516798D}" type="datetimeFigureOut">
               <a:rPr lang="pl-PL" smtClean="0"/>
-              <a:t>20.11.2020</a:t>
+              <a:t>18.02.2021</a:t>
             </a:fld>
             <a:endParaRPr lang="pl-PL"/>
           </a:p>
@@ -3191,7 +3106,7 @@
           <a:p>
             <a:fld id="{5E543113-3ECC-4DC9-B636-16B32516798D}" type="datetimeFigureOut">
               <a:rPr lang="pl-PL" smtClean="0"/>
-              <a:t>20.11.2020</a:t>
+              <a:t>18.02.2021</a:t>
             </a:fld>
             <a:endParaRPr lang="pl-PL"/>
           </a:p>
@@ -3333,7 +3248,7 @@
           <a:p>
             <a:fld id="{5E543113-3ECC-4DC9-B636-16B32516798D}" type="datetimeFigureOut">
               <a:rPr lang="pl-PL" smtClean="0"/>
-              <a:t>20.11.2020</a:t>
+              <a:t>18.02.2021</a:t>
             </a:fld>
             <a:endParaRPr lang="pl-PL"/>
           </a:p>
@@ -3446,7 +3361,7 @@
           <a:p>
             <a:fld id="{5E543113-3ECC-4DC9-B636-16B32516798D}" type="datetimeFigureOut">
               <a:rPr lang="pl-PL" smtClean="0"/>
-              <a:t>20.11.2020</a:t>
+              <a:t>18.02.2021</a:t>
             </a:fld>
             <a:endParaRPr lang="pl-PL"/>
           </a:p>
@@ -3759,7 +3674,7 @@
           <a:p>
             <a:fld id="{5E543113-3ECC-4DC9-B636-16B32516798D}" type="datetimeFigureOut">
               <a:rPr lang="pl-PL" smtClean="0"/>
-              <a:t>20.11.2020</a:t>
+              <a:t>18.02.2021</a:t>
             </a:fld>
             <a:endParaRPr lang="pl-PL"/>
           </a:p>
@@ -4048,7 +3963,7 @@
           <a:p>
             <a:fld id="{5E543113-3ECC-4DC9-B636-16B32516798D}" type="datetimeFigureOut">
               <a:rPr lang="pl-PL" smtClean="0"/>
-              <a:t>20.11.2020</a:t>
+              <a:t>18.02.2021</a:t>
             </a:fld>
             <a:endParaRPr lang="pl-PL"/>
           </a:p>
@@ -4291,7 +4206,7 @@
           <a:p>
             <a:fld id="{5E543113-3ECC-4DC9-B636-16B32516798D}" type="datetimeFigureOut">
               <a:rPr lang="pl-PL" smtClean="0"/>
-              <a:t>20.11.2020</a:t>
+              <a:t>18.02.2021</a:t>
             </a:fld>
             <a:endParaRPr lang="pl-PL"/>
           </a:p>
@@ -5521,318 +5436,6 @@
           <a:p>
             <a:r>
               <a:rPr lang="pl-PL" dirty="0"/>
-              <a:t>Http Request</a:t>
-            </a:r>
-          </a:p>
-        </p:txBody>
-      </p:sp>
-      <p:sp>
-        <p:nvSpPr>
-          <p:cNvPr id="3" name="Content Placeholder 2">
-            <a:extLst>
-              <a:ext uri="{FF2B5EF4-FFF2-40B4-BE49-F238E27FC236}">
-                <a16:creationId xmlns:a16="http://schemas.microsoft.com/office/drawing/2014/main" id="{814655DE-7FA6-46E6-BA4A-3078DCADD897}"/>
-              </a:ext>
-            </a:extLst>
-          </p:cNvPr>
-          <p:cNvSpPr>
-            <a:spLocks noGrp="1"/>
-          </p:cNvSpPr>
-          <p:nvPr>
-            <p:ph idx="1"/>
-          </p:nvPr>
-        </p:nvSpPr>
-        <p:spPr/>
-        <p:txBody>
-          <a:bodyPr>
-            <a:normAutofit fontScale="92500" lnSpcReduction="10000"/>
-          </a:bodyPr>
-          <a:lstStyle/>
-          <a:p>
-            <a:pPr marL="0" indent="0">
-              <a:buNone/>
-            </a:pPr>
-            <a:r>
-              <a:rPr lang="pl-PL" dirty="0"/>
-              <a:t>import { Injectable } from ’</a:t>
-            </a:r>
-            <a:r>
-              <a:rPr lang="pl-PL" dirty="0">
-                <a:solidFill>
-                  <a:srgbClr val="C00000"/>
-                </a:solidFill>
-              </a:rPr>
-              <a:t>@angular/core</a:t>
-            </a:r>
-            <a:r>
-              <a:rPr lang="pl-PL" dirty="0"/>
-              <a:t>’</a:t>
-            </a:r>
-          </a:p>
-          <a:p>
-            <a:pPr marL="0" indent="0">
-              <a:buNone/>
-            </a:pPr>
-            <a:r>
-              <a:rPr lang="pl-PL" dirty="0"/>
-              <a:t>import { HttpClient } from ’</a:t>
-            </a:r>
-            <a:r>
-              <a:rPr lang="pl-PL" dirty="0">
-                <a:solidFill>
-                  <a:srgbClr val="C00000"/>
-                </a:solidFill>
-              </a:rPr>
-              <a:t>@angular/common/http</a:t>
-            </a:r>
-            <a:r>
-              <a:rPr lang="pl-PL" dirty="0"/>
-              <a:t>’</a:t>
-            </a:r>
-          </a:p>
-          <a:p>
-            <a:pPr marL="0" indent="0">
-              <a:buNone/>
-            </a:pPr>
-            <a:r>
-              <a:rPr lang="pl-PL" dirty="0"/>
-              <a:t>@Injectable()</a:t>
-            </a:r>
-          </a:p>
-          <a:p>
-            <a:pPr marL="0" indent="0">
-              <a:buNone/>
-            </a:pPr>
-            <a:r>
-              <a:rPr lang="pl-PL" dirty="0">
-                <a:solidFill>
-                  <a:srgbClr val="0070C0"/>
-                </a:solidFill>
-              </a:rPr>
-              <a:t>export class </a:t>
-            </a:r>
-            <a:r>
-              <a:rPr lang="pl-PL" dirty="0"/>
-              <a:t>MyService{</a:t>
-            </a:r>
-          </a:p>
-          <a:p>
-            <a:pPr marL="0" indent="0">
-              <a:buNone/>
-            </a:pPr>
-            <a:r>
-              <a:rPr lang="pl-PL" dirty="0"/>
-              <a:t>	</a:t>
-            </a:r>
-            <a:r>
-              <a:rPr lang="pl-PL" dirty="0" err="1">
-                <a:solidFill>
-                  <a:srgbClr val="0070C0"/>
-                </a:solidFill>
-              </a:rPr>
-              <a:t>private</a:t>
-            </a:r>
-            <a:r>
-              <a:rPr lang="pl-PL" dirty="0"/>
-              <a:t> </a:t>
-            </a:r>
-            <a:r>
-              <a:rPr lang="pl-PL" dirty="0" err="1"/>
-              <a:t>heroUrl</a:t>
-            </a:r>
-            <a:r>
-              <a:rPr lang="pl-PL" dirty="0"/>
-              <a:t> = ’</a:t>
-            </a:r>
-            <a:r>
-              <a:rPr lang="pl-PL" dirty="0">
-                <a:solidFill>
-                  <a:srgbClr val="C00000"/>
-                </a:solidFill>
-              </a:rPr>
-              <a:t>www.mojastrona.com/api/products</a:t>
-            </a:r>
-            <a:r>
-              <a:rPr lang="pl-PL" dirty="0"/>
-              <a:t>’;</a:t>
-            </a:r>
-          </a:p>
-          <a:p>
-            <a:pPr marL="0" indent="0">
-              <a:buNone/>
-            </a:pPr>
-            <a:r>
-              <a:rPr lang="pl-PL" dirty="0"/>
-              <a:t>	constructor(</a:t>
-            </a:r>
-            <a:r>
-              <a:rPr lang="pl-PL" dirty="0">
-                <a:solidFill>
-                  <a:srgbClr val="0070C0"/>
-                </a:solidFill>
-              </a:rPr>
-              <a:t>private</a:t>
-            </a:r>
-            <a:r>
-              <a:rPr lang="pl-PL" dirty="0"/>
-              <a:t> _http: HttpClient){}</a:t>
-            </a:r>
-          </a:p>
-          <a:p>
-            <a:pPr marL="0" indent="0">
-              <a:buNone/>
-            </a:pPr>
-            <a:r>
-              <a:rPr lang="pl-PL" dirty="0"/>
-              <a:t>	</a:t>
-            </a:r>
-            <a:r>
-              <a:rPr lang="pl-PL" dirty="0" err="1"/>
-              <a:t>getHeroes</a:t>
-            </a:r>
-            <a:r>
-              <a:rPr lang="pl-PL" dirty="0"/>
-              <a:t>() :</a:t>
-            </a:r>
-            <a:r>
-              <a:rPr lang="pl-PL" dirty="0" err="1"/>
-              <a:t>Observables</a:t>
-            </a:r>
-            <a:r>
-              <a:rPr lang="pl-PL" dirty="0"/>
-              <a:t>&lt;Hero[]&gt;{</a:t>
-            </a:r>
-          </a:p>
-          <a:p>
-            <a:pPr marL="0" indent="0">
-              <a:buNone/>
-            </a:pPr>
-            <a:r>
-              <a:rPr lang="pl-PL" dirty="0"/>
-              <a:t>		</a:t>
-            </a:r>
-            <a:r>
-              <a:rPr lang="pl-PL" dirty="0">
-                <a:solidFill>
-                  <a:srgbClr val="0070C0"/>
-                </a:solidFill>
-              </a:rPr>
-              <a:t>return this</a:t>
-            </a:r>
-            <a:r>
-              <a:rPr lang="pl-PL" dirty="0"/>
-              <a:t>._</a:t>
-            </a:r>
-            <a:r>
-              <a:rPr lang="pl-PL" dirty="0" err="1"/>
-              <a:t>http.get</a:t>
-            </a:r>
-            <a:r>
-              <a:rPr lang="pl-PL" dirty="0"/>
-              <a:t>&lt;Hero[]&gt;(</a:t>
-            </a:r>
-            <a:r>
-              <a:rPr lang="pl-PL" dirty="0" err="1">
-                <a:solidFill>
-                  <a:srgbClr val="0070C0"/>
-                </a:solidFill>
-              </a:rPr>
-              <a:t>this</a:t>
-            </a:r>
-            <a:r>
-              <a:rPr lang="pl-PL" dirty="0" err="1"/>
-              <a:t>.heroUrl</a:t>
-            </a:r>
-            <a:r>
-              <a:rPr lang="pl-PL" dirty="0"/>
-              <a:t>);</a:t>
-            </a:r>
-          </a:p>
-          <a:p>
-            <a:pPr marL="914400" lvl="2" indent="0">
-              <a:buNone/>
-            </a:pPr>
-            <a:r>
-              <a:rPr lang="pl-PL" sz="2800" dirty="0"/>
-              <a:t>}</a:t>
-            </a:r>
-          </a:p>
-          <a:p>
-            <a:pPr marL="0" indent="0">
-              <a:buNone/>
-            </a:pPr>
-            <a:r>
-              <a:rPr lang="pl-PL" dirty="0"/>
-              <a:t>}</a:t>
-            </a:r>
-          </a:p>
-        </p:txBody>
-      </p:sp>
-    </p:spTree>
-    <p:extLst>
-      <p:ext uri="{BB962C8B-B14F-4D97-AF65-F5344CB8AC3E}">
-        <p14:creationId xmlns:p14="http://schemas.microsoft.com/office/powerpoint/2010/main" val="993837744"/>
-      </p:ext>
-    </p:extLst>
-  </p:cSld>
-  <p:clrMapOvr>
-    <a:masterClrMapping/>
-  </p:clrMapOvr>
-  <mc:AlternateContent xmlns:mc="http://schemas.openxmlformats.org/markup-compatibility/2006" xmlns:p14="http://schemas.microsoft.com/office/powerpoint/2010/main">
-    <mc:Choice Requires="p14">
-      <p:transition spd="med" p14:dur="700">
-        <p:fade/>
-      </p:transition>
-    </mc:Choice>
-    <mc:Fallback xmlns="">
-      <p:transition spd="med">
-        <p:fade/>
-      </p:transition>
-    </mc:Fallback>
-  </mc:AlternateContent>
-</p:sld>
-</file>
-
-<file path=ppt/slides/slide11.xml><?xml version="1.0" encoding="utf-8"?>
-<p:sld xmlns:a="http://schemas.openxmlformats.org/drawingml/2006/main" xmlns:r="http://schemas.openxmlformats.org/officeDocument/2006/relationships" xmlns:p="http://schemas.openxmlformats.org/presentationml/2006/main">
-  <p:cSld>
-    <p:spTree>
-      <p:nvGrpSpPr>
-        <p:cNvPr id="1" name=""/>
-        <p:cNvGrpSpPr/>
-        <p:nvPr/>
-      </p:nvGrpSpPr>
-      <p:grpSpPr>
-        <a:xfrm>
-          <a:off x="0" y="0"/>
-          <a:ext cx="0" cy="0"/>
-          <a:chOff x="0" y="0"/>
-          <a:chExt cx="0" cy="0"/>
-        </a:xfrm>
-      </p:grpSpPr>
-      <p:sp>
-        <p:nvSpPr>
-          <p:cNvPr id="2" name="Title 1">
-            <a:extLst>
-              <a:ext uri="{FF2B5EF4-FFF2-40B4-BE49-F238E27FC236}">
-                <a16:creationId xmlns:a16="http://schemas.microsoft.com/office/drawing/2014/main" id="{32E282AA-C861-4624-A983-D76EE7085AA9}"/>
-              </a:ext>
-            </a:extLst>
-          </p:cNvPr>
-          <p:cNvSpPr>
-            <a:spLocks noGrp="1"/>
-          </p:cNvSpPr>
-          <p:nvPr>
-            <p:ph type="title"/>
-          </p:nvPr>
-        </p:nvSpPr>
-        <p:spPr/>
-        <p:txBody>
-          <a:bodyPr/>
-          <a:lstStyle/>
-          <a:p>
-            <a:r>
-              <a:rPr lang="pl-PL" dirty="0"/>
               <a:t>Obsługa błędów</a:t>
             </a:r>
           </a:p>
@@ -6469,7 +6072,7 @@
 </p:sld>
 </file>
 
-<file path=ppt/slides/slide12.xml><?xml version="1.0" encoding="utf-8"?>
+<file path=ppt/slides/slide11.xml><?xml version="1.0" encoding="utf-8"?>
 <p:sld xmlns:a="http://schemas.openxmlformats.org/drawingml/2006/main" xmlns:r="http://schemas.openxmlformats.org/officeDocument/2006/relationships" xmlns:p="http://schemas.openxmlformats.org/presentationml/2006/main">
   <p:cSld>
     <p:spTree>
@@ -6997,7 +6600,7 @@
 </p:sld>
 </file>
 
-<file path=ppt/slides/slide13.xml><?xml version="1.0" encoding="utf-8"?>
+<file path=ppt/slides/slide12.xml><?xml version="1.0" encoding="utf-8"?>
 <p:sld xmlns:a="http://schemas.openxmlformats.org/drawingml/2006/main" xmlns:r="http://schemas.openxmlformats.org/officeDocument/2006/relationships" xmlns:p="http://schemas.openxmlformats.org/presentationml/2006/main">
   <p:cSld>
     <p:spTree>
@@ -7121,7 +6724,7 @@
 </p:sld>
 </file>
 
-<file path=ppt/slides/slide14.xml><?xml version="1.0" encoding="utf-8"?>
+<file path=ppt/slides/slide13.xml><?xml version="1.0" encoding="utf-8"?>
 <p:sld xmlns:a="http://schemas.openxmlformats.org/drawingml/2006/main" xmlns:r="http://schemas.openxmlformats.org/officeDocument/2006/relationships" xmlns:p="http://schemas.openxmlformats.org/presentationml/2006/main">
   <p:cSld>
     <p:spTree>
@@ -7509,7 +7112,7 @@
 </p:sld>
 </file>
 
-<file path=ppt/slides/slide15.xml><?xml version="1.0" encoding="utf-8"?>
+<file path=ppt/slides/slide14.xml><?xml version="1.0" encoding="utf-8"?>
 <p:sld xmlns:a="http://schemas.openxmlformats.org/drawingml/2006/main" xmlns:r="http://schemas.openxmlformats.org/officeDocument/2006/relationships" xmlns:p="http://schemas.openxmlformats.org/presentationml/2006/main">
   <p:cSld>
     <p:spTree>
@@ -7617,7 +7220,7 @@
 </p:sld>
 </file>
 
-<file path=ppt/slides/slide16.xml><?xml version="1.0" encoding="utf-8"?>
+<file path=ppt/slides/slide15.xml><?xml version="1.0" encoding="utf-8"?>
 <p:sld xmlns:a="http://schemas.openxmlformats.org/drawingml/2006/main" xmlns:r="http://schemas.openxmlformats.org/officeDocument/2006/relationships" xmlns:p="http://schemas.openxmlformats.org/presentationml/2006/main">
   <p:cSld>
     <p:spTree>
@@ -7980,7 +7583,7 @@
 </p:sld>
 </file>
 
-<file path=ppt/slides/slide17.xml><?xml version="1.0" encoding="utf-8"?>
+<file path=ppt/slides/slide16.xml><?xml version="1.0" encoding="utf-8"?>
 <p:sld xmlns:a="http://schemas.openxmlformats.org/drawingml/2006/main" xmlns:r="http://schemas.openxmlformats.org/officeDocument/2006/relationships" xmlns:p="http://schemas.openxmlformats.org/presentationml/2006/main">
   <p:cSld>
     <p:spTree>
@@ -8122,7 +7725,7 @@
 </p:sld>
 </file>
 
-<file path=ppt/slides/slide18.xml><?xml version="1.0" encoding="utf-8"?>
+<file path=ppt/slides/slide17.xml><?xml version="1.0" encoding="utf-8"?>
 <p:sld xmlns:a="http://schemas.openxmlformats.org/drawingml/2006/main" xmlns:r="http://schemas.openxmlformats.org/officeDocument/2006/relationships" xmlns:p="http://schemas.openxmlformats.org/presentationml/2006/main">
   <p:cSld>
     <p:spTree>
@@ -9024,7 +8627,7 @@
 </p:sld>
 </file>
 
-<file path=ppt/slides/slide19.xml><?xml version="1.0" encoding="utf-8"?>
+<file path=ppt/slides/slide18.xml><?xml version="1.0" encoding="utf-8"?>
 <p:sld xmlns:a="http://schemas.openxmlformats.org/drawingml/2006/main" xmlns:r="http://schemas.openxmlformats.org/officeDocument/2006/relationships" xmlns:p="http://schemas.openxmlformats.org/presentationml/2006/main">
   <p:cSld>
     <p:spTree>
@@ -9479,234 +9082,7 @@
 </p:sld>
 </file>
 
-<file path=ppt/slides/slide2.xml><?xml version="1.0" encoding="utf-8"?>
-<p:sld xmlns:a="http://schemas.openxmlformats.org/drawingml/2006/main" xmlns:r="http://schemas.openxmlformats.org/officeDocument/2006/relationships" xmlns:p="http://schemas.openxmlformats.org/presentationml/2006/main">
-  <p:cSld>
-    <p:spTree>
-      <p:nvGrpSpPr>
-        <p:cNvPr id="1" name=""/>
-        <p:cNvGrpSpPr/>
-        <p:nvPr/>
-      </p:nvGrpSpPr>
-      <p:grpSpPr>
-        <a:xfrm>
-          <a:off x="0" y="0"/>
-          <a:ext cx="0" cy="0"/>
-          <a:chOff x="0" y="0"/>
-          <a:chExt cx="0" cy="0"/>
-        </a:xfrm>
-      </p:grpSpPr>
-      <p:sp>
-        <p:nvSpPr>
-          <p:cNvPr id="2" name="Title 1">
-            <a:extLst>
-              <a:ext uri="{FF2B5EF4-FFF2-40B4-BE49-F238E27FC236}">
-                <a16:creationId xmlns:a16="http://schemas.microsoft.com/office/drawing/2014/main" id="{401AB415-193C-45D3-A459-EE91C2EF2AD1}"/>
-              </a:ext>
-            </a:extLst>
-          </p:cNvPr>
-          <p:cNvSpPr>
-            <a:spLocks noGrp="1"/>
-          </p:cNvSpPr>
-          <p:nvPr>
-            <p:ph type="title"/>
-          </p:nvPr>
-        </p:nvSpPr>
-        <p:spPr/>
-        <p:txBody>
-          <a:bodyPr/>
-          <a:lstStyle/>
-          <a:p>
-            <a:r>
-              <a:rPr lang="pl-PL" dirty="0"/>
-              <a:t>Upgrade do nowej wersji</a:t>
-            </a:r>
-          </a:p>
-        </p:txBody>
-      </p:sp>
-      <p:pic>
-        <p:nvPicPr>
-          <p:cNvPr id="4" name="Content Placeholder 3">
-            <a:extLst>
-              <a:ext uri="{FF2B5EF4-FFF2-40B4-BE49-F238E27FC236}">
-                <a16:creationId xmlns:a16="http://schemas.microsoft.com/office/drawing/2014/main" id="{DA48D402-BBF1-461C-A3BB-957744E0E047}"/>
-              </a:ext>
-            </a:extLst>
-          </p:cNvPr>
-          <p:cNvPicPr>
-            <a:picLocks noGrp="1" noChangeAspect="1"/>
-          </p:cNvPicPr>
-          <p:nvPr>
-            <p:ph idx="1"/>
-          </p:nvPr>
-        </p:nvPicPr>
-        <p:blipFill>
-          <a:blip r:embed="rId3"/>
-          <a:stretch>
-            <a:fillRect/>
-          </a:stretch>
-        </p:blipFill>
-        <p:spPr>
-          <a:xfrm>
-            <a:off x="1666218" y="1825625"/>
-            <a:ext cx="8859564" cy="4351338"/>
-          </a:xfrm>
-          <a:prstGeom prst="rect">
-            <a:avLst/>
-          </a:prstGeom>
-        </p:spPr>
-      </p:pic>
-      <p:sp>
-        <p:nvSpPr>
-          <p:cNvPr id="5" name="TextBox 4">
-            <a:extLst>
-              <a:ext uri="{FF2B5EF4-FFF2-40B4-BE49-F238E27FC236}">
-                <a16:creationId xmlns:a16="http://schemas.microsoft.com/office/drawing/2014/main" id="{3A81F552-FDA3-487C-A41D-D420D77B9E4A}"/>
-              </a:ext>
-            </a:extLst>
-          </p:cNvPr>
-          <p:cNvSpPr txBox="1"/>
-          <p:nvPr/>
-        </p:nvSpPr>
-        <p:spPr>
-          <a:xfrm>
-            <a:off x="883848" y="5866497"/>
-            <a:ext cx="10427480" cy="646331"/>
-          </a:xfrm>
-          <a:prstGeom prst="rect">
-            <a:avLst/>
-          </a:prstGeom>
-        </p:spPr>
-        <p:style>
-          <a:lnRef idx="2">
-            <a:schemeClr val="accent6">
-              <a:shade val="50000"/>
-            </a:schemeClr>
-          </a:lnRef>
-          <a:fillRef idx="1">
-            <a:schemeClr val="accent6"/>
-          </a:fillRef>
-          <a:effectRef idx="0">
-            <a:schemeClr val="accent6"/>
-          </a:effectRef>
-          <a:fontRef idx="minor">
-            <a:schemeClr val="lt1"/>
-          </a:fontRef>
-        </p:style>
-        <p:txBody>
-          <a:bodyPr wrap="square" rtlCol="0">
-            <a:spAutoFit/>
-          </a:bodyPr>
-          <a:lstStyle/>
-          <a:p>
-            <a:pPr algn="ctr"/>
-            <a:r>
-              <a:rPr lang="pl-PL" sz="3600" dirty="0"/>
-              <a:t>https://update.angular.io/</a:t>
-            </a:r>
-          </a:p>
-        </p:txBody>
-      </p:sp>
-    </p:spTree>
-    <p:extLst>
-      <p:ext uri="{BB962C8B-B14F-4D97-AF65-F5344CB8AC3E}">
-        <p14:creationId xmlns:p14="http://schemas.microsoft.com/office/powerpoint/2010/main" val="3345871085"/>
-      </p:ext>
-    </p:extLst>
-  </p:cSld>
-  <p:clrMapOvr>
-    <a:masterClrMapping/>
-  </p:clrMapOvr>
-  <p:timing>
-    <p:tnLst>
-      <p:par>
-        <p:cTn id="1" dur="indefinite" restart="never" nodeType="tmRoot">
-          <p:childTnLst>
-            <p:seq concurrent="1" nextAc="seek">
-              <p:cTn id="2" dur="indefinite" nodeType="mainSeq">
-                <p:childTnLst>
-                  <p:par>
-                    <p:cTn id="3" fill="hold">
-                      <p:stCondLst>
-                        <p:cond delay="indefinite"/>
-                      </p:stCondLst>
-                      <p:childTnLst>
-                        <p:par>
-                          <p:cTn id="4" fill="hold">
-                            <p:stCondLst>
-                              <p:cond delay="0"/>
-                            </p:stCondLst>
-                            <p:childTnLst>
-                              <p:par>
-                                <p:cTn id="5" presetID="10" presetClass="entr" presetSubtype="0" fill="hold" grpId="0" nodeType="clickEffect">
-                                  <p:stCondLst>
-                                    <p:cond delay="0"/>
-                                  </p:stCondLst>
-                                  <p:childTnLst>
-                                    <p:set>
-                                      <p:cBhvr>
-                                        <p:cTn id="6" dur="1" fill="hold">
-                                          <p:stCondLst>
-                                            <p:cond delay="0"/>
-                                          </p:stCondLst>
-                                        </p:cTn>
-                                        <p:tgtEl>
-                                          <p:spTgt spid="5"/>
-                                        </p:tgtEl>
-                                        <p:attrNameLst>
-                                          <p:attrName>style.visibility</p:attrName>
-                                        </p:attrNameLst>
-                                      </p:cBhvr>
-                                      <p:to>
-                                        <p:strVal val="visible"/>
-                                      </p:to>
-                                    </p:set>
-                                    <p:animEffect transition="in" filter="fade">
-                                      <p:cBhvr>
-                                        <p:cTn id="7" dur="500"/>
-                                        <p:tgtEl>
-                                          <p:spTgt spid="5"/>
-                                        </p:tgtEl>
-                                      </p:cBhvr>
-                                    </p:animEffect>
-                                  </p:childTnLst>
-                                </p:cTn>
-                              </p:par>
-                            </p:childTnLst>
-                          </p:cTn>
-                        </p:par>
-                      </p:childTnLst>
-                    </p:cTn>
-                  </p:par>
-                </p:childTnLst>
-              </p:cTn>
-              <p:prevCondLst>
-                <p:cond evt="onPrev" delay="0">
-                  <p:tgtEl>
-                    <p:sldTgt/>
-                  </p:tgtEl>
-                </p:cond>
-              </p:prevCondLst>
-              <p:nextCondLst>
-                <p:cond evt="onNext" delay="0">
-                  <p:tgtEl>
-                    <p:sldTgt/>
-                  </p:tgtEl>
-                </p:cond>
-              </p:nextCondLst>
-            </p:seq>
-          </p:childTnLst>
-        </p:cTn>
-      </p:par>
-    </p:tnLst>
-    <p:bldLst>
-      <p:bldP spid="5" grpId="0" animBg="1"/>
-    </p:bldLst>
-  </p:timing>
-</p:sld>
-</file>
-
-<file path=ppt/slides/slide20.xml><?xml version="1.0" encoding="utf-8"?>
+<file path=ppt/slides/slide19.xml><?xml version="1.0" encoding="utf-8"?>
 <p:sld xmlns:a="http://schemas.openxmlformats.org/drawingml/2006/main" xmlns:r="http://schemas.openxmlformats.org/officeDocument/2006/relationships" xmlns:p="http://schemas.openxmlformats.org/presentationml/2006/main">
   <p:cSld>
     <p:spTree>
@@ -10614,7 +9990,1005 @@
 </p:sld>
 </file>
 
-<file path=ppt/slides/slide21.xml><?xml version="1.0" encoding="utf-8"?>
+<file path=ppt/slides/slide2.xml><?xml version="1.0" encoding="utf-8"?>
+<p:sld xmlns:a="http://schemas.openxmlformats.org/drawingml/2006/main" xmlns:r="http://schemas.openxmlformats.org/officeDocument/2006/relationships" xmlns:p="http://schemas.openxmlformats.org/presentationml/2006/main">
+  <p:cSld>
+    <p:spTree>
+      <p:nvGrpSpPr>
+        <p:cNvPr id="1" name=""/>
+        <p:cNvGrpSpPr/>
+        <p:nvPr/>
+      </p:nvGrpSpPr>
+      <p:grpSpPr>
+        <a:xfrm>
+          <a:off x="0" y="0"/>
+          <a:ext cx="0" cy="0"/>
+          <a:chOff x="0" y="0"/>
+          <a:chExt cx="0" cy="0"/>
+        </a:xfrm>
+      </p:grpSpPr>
+      <p:sp>
+        <p:nvSpPr>
+          <p:cNvPr id="2" name="Title 1">
+            <a:extLst>
+              <a:ext uri="{FF2B5EF4-FFF2-40B4-BE49-F238E27FC236}">
+                <a16:creationId xmlns:a16="http://schemas.microsoft.com/office/drawing/2014/main" id="{956B0174-8DC1-46DF-B5EA-618DE1F08B5F}"/>
+              </a:ext>
+            </a:extLst>
+          </p:cNvPr>
+          <p:cNvSpPr>
+            <a:spLocks noGrp="1"/>
+          </p:cNvSpPr>
+          <p:nvPr>
+            <p:ph type="title"/>
+          </p:nvPr>
+        </p:nvSpPr>
+        <p:spPr/>
+        <p:txBody>
+          <a:bodyPr/>
+          <a:lstStyle/>
+          <a:p>
+            <a:r>
+              <a:rPr lang="pl-PL" dirty="0"/>
+              <a:t>Wysyłanie requesta HTTP</a:t>
+            </a:r>
+          </a:p>
+        </p:txBody>
+      </p:sp>
+      <p:sp>
+        <p:nvSpPr>
+          <p:cNvPr id="4" name="Rectangle: Rounded Corners 3">
+            <a:extLst>
+              <a:ext uri="{FF2B5EF4-FFF2-40B4-BE49-F238E27FC236}">
+                <a16:creationId xmlns:a16="http://schemas.microsoft.com/office/drawing/2014/main" id="{365F5DEC-E822-4D2D-8BDC-BAA298FA9310}"/>
+              </a:ext>
+            </a:extLst>
+          </p:cNvPr>
+          <p:cNvSpPr/>
+          <p:nvPr/>
+        </p:nvSpPr>
+        <p:spPr>
+          <a:xfrm>
+            <a:off x="1582616" y="1820008"/>
+            <a:ext cx="1811215" cy="4703884"/>
+          </a:xfrm>
+          <a:prstGeom prst="roundRect">
+            <a:avLst/>
+          </a:prstGeom>
+        </p:spPr>
+        <p:style>
+          <a:lnRef idx="0">
+            <a:schemeClr val="accent2"/>
+          </a:lnRef>
+          <a:fillRef idx="3">
+            <a:schemeClr val="accent2"/>
+          </a:fillRef>
+          <a:effectRef idx="3">
+            <a:schemeClr val="accent2"/>
+          </a:effectRef>
+          <a:fontRef idx="minor">
+            <a:schemeClr val="lt1"/>
+          </a:fontRef>
+        </p:style>
+        <p:txBody>
+          <a:bodyPr rtlCol="0" anchor="ctr"/>
+          <a:lstStyle/>
+          <a:p>
+            <a:pPr algn="ctr"/>
+            <a:r>
+              <a:rPr lang="pl-PL" dirty="0"/>
+              <a:t>Przeglądarka</a:t>
+            </a:r>
+          </a:p>
+        </p:txBody>
+      </p:sp>
+      <p:sp>
+        <p:nvSpPr>
+          <p:cNvPr id="5" name="Rectangle: Rounded Corners 4">
+            <a:extLst>
+              <a:ext uri="{FF2B5EF4-FFF2-40B4-BE49-F238E27FC236}">
+                <a16:creationId xmlns:a16="http://schemas.microsoft.com/office/drawing/2014/main" id="{51BACAE0-4830-4702-847C-AC4181048D15}"/>
+              </a:ext>
+            </a:extLst>
+          </p:cNvPr>
+          <p:cNvSpPr/>
+          <p:nvPr/>
+        </p:nvSpPr>
+        <p:spPr>
+          <a:xfrm>
+            <a:off x="8039101" y="1820008"/>
+            <a:ext cx="1811215" cy="4703884"/>
+          </a:xfrm>
+          <a:prstGeom prst="roundRect">
+            <a:avLst/>
+          </a:prstGeom>
+        </p:spPr>
+        <p:style>
+          <a:lnRef idx="2">
+            <a:schemeClr val="accent2">
+              <a:shade val="50000"/>
+            </a:schemeClr>
+          </a:lnRef>
+          <a:fillRef idx="1">
+            <a:schemeClr val="accent2"/>
+          </a:fillRef>
+          <a:effectRef idx="0">
+            <a:schemeClr val="accent2"/>
+          </a:effectRef>
+          <a:fontRef idx="minor">
+            <a:schemeClr val="lt1"/>
+          </a:fontRef>
+        </p:style>
+        <p:txBody>
+          <a:bodyPr rtlCol="0" anchor="ctr"/>
+          <a:lstStyle/>
+          <a:p>
+            <a:pPr algn="ctr"/>
+            <a:r>
+              <a:rPr lang="pl-PL" dirty="0"/>
+              <a:t>Serwer</a:t>
+            </a:r>
+          </a:p>
+        </p:txBody>
+      </p:sp>
+      <p:sp>
+        <p:nvSpPr>
+          <p:cNvPr id="6" name="Rectangle: Single Corner Snipped 5">
+            <a:extLst>
+              <a:ext uri="{FF2B5EF4-FFF2-40B4-BE49-F238E27FC236}">
+                <a16:creationId xmlns:a16="http://schemas.microsoft.com/office/drawing/2014/main" id="{4101818B-2A4F-45F4-825D-4855E241D1DB}"/>
+              </a:ext>
+            </a:extLst>
+          </p:cNvPr>
+          <p:cNvSpPr/>
+          <p:nvPr/>
+        </p:nvSpPr>
+        <p:spPr>
+          <a:xfrm>
+            <a:off x="202224" y="2268415"/>
+            <a:ext cx="1257299" cy="738553"/>
+          </a:xfrm>
+          <a:prstGeom prst="snip1Rect">
+            <a:avLst/>
+          </a:prstGeom>
+        </p:spPr>
+        <p:style>
+          <a:lnRef idx="2">
+            <a:schemeClr val="accent1">
+              <a:shade val="50000"/>
+            </a:schemeClr>
+          </a:lnRef>
+          <a:fillRef idx="1">
+            <a:schemeClr val="accent1"/>
+          </a:fillRef>
+          <a:effectRef idx="0">
+            <a:schemeClr val="accent1"/>
+          </a:effectRef>
+          <a:fontRef idx="minor">
+            <a:schemeClr val="lt1"/>
+          </a:fontRef>
+        </p:style>
+        <p:txBody>
+          <a:bodyPr rtlCol="0" anchor="ctr"/>
+          <a:lstStyle/>
+          <a:p>
+            <a:pPr algn="ctr"/>
+            <a:r>
+              <a:rPr lang="pl-PL" dirty="0"/>
+              <a:t>Index.html</a:t>
+            </a:r>
+          </a:p>
+        </p:txBody>
+      </p:sp>
+      <p:sp>
+        <p:nvSpPr>
+          <p:cNvPr id="8" name="Rectangle: Single Corner Snipped 7">
+            <a:extLst>
+              <a:ext uri="{FF2B5EF4-FFF2-40B4-BE49-F238E27FC236}">
+                <a16:creationId xmlns:a16="http://schemas.microsoft.com/office/drawing/2014/main" id="{B9EA60DC-6556-4F10-B381-C74DCE2EB8A7}"/>
+              </a:ext>
+            </a:extLst>
+          </p:cNvPr>
+          <p:cNvSpPr/>
+          <p:nvPr/>
+        </p:nvSpPr>
+        <p:spPr>
+          <a:xfrm>
+            <a:off x="202223" y="3215418"/>
+            <a:ext cx="1257299" cy="738553"/>
+          </a:xfrm>
+          <a:prstGeom prst="snip1Rect">
+            <a:avLst/>
+          </a:prstGeom>
+        </p:spPr>
+        <p:style>
+          <a:lnRef idx="2">
+            <a:schemeClr val="accent1">
+              <a:shade val="50000"/>
+            </a:schemeClr>
+          </a:lnRef>
+          <a:fillRef idx="1">
+            <a:schemeClr val="accent1"/>
+          </a:fillRef>
+          <a:effectRef idx="0">
+            <a:schemeClr val="accent1"/>
+          </a:effectRef>
+          <a:fontRef idx="minor">
+            <a:schemeClr val="lt1"/>
+          </a:fontRef>
+        </p:style>
+        <p:txBody>
+          <a:bodyPr rtlCol="0" anchor="ctr"/>
+          <a:lstStyle/>
+          <a:p>
+            <a:pPr algn="ctr"/>
+            <a:r>
+              <a:rPr lang="pl-PL" dirty="0"/>
+              <a:t>JavaScript</a:t>
+            </a:r>
+          </a:p>
+        </p:txBody>
+      </p:sp>
+      <p:grpSp>
+        <p:nvGrpSpPr>
+          <p:cNvPr id="12" name="Group 11">
+            <a:extLst>
+              <a:ext uri="{FF2B5EF4-FFF2-40B4-BE49-F238E27FC236}">
+                <a16:creationId xmlns:a16="http://schemas.microsoft.com/office/drawing/2014/main" id="{9EAE6429-9C4F-4E0D-90BE-E12799530C02}"/>
+              </a:ext>
+            </a:extLst>
+          </p:cNvPr>
+          <p:cNvGrpSpPr/>
+          <p:nvPr/>
+        </p:nvGrpSpPr>
+        <p:grpSpPr>
+          <a:xfrm>
+            <a:off x="3393831" y="2757642"/>
+            <a:ext cx="4645270" cy="498652"/>
+            <a:chOff x="3393831" y="5066879"/>
+            <a:chExt cx="4645270" cy="498652"/>
+          </a:xfrm>
+        </p:grpSpPr>
+        <p:cxnSp>
+          <p:nvCxnSpPr>
+            <p:cNvPr id="10" name="Straight Arrow Connector 9">
+              <a:extLst>
+                <a:ext uri="{FF2B5EF4-FFF2-40B4-BE49-F238E27FC236}">
+                  <a16:creationId xmlns:a16="http://schemas.microsoft.com/office/drawing/2014/main" id="{7D5A23CA-90C2-46F8-A142-ABE1738CBBAA}"/>
+                </a:ext>
+              </a:extLst>
+            </p:cNvPr>
+            <p:cNvCxnSpPr/>
+            <p:nvPr/>
+          </p:nvCxnSpPr>
+          <p:spPr>
+            <a:xfrm>
+              <a:off x="3393831" y="5565531"/>
+              <a:ext cx="4645270" cy="0"/>
+            </a:xfrm>
+            <a:prstGeom prst="straightConnector1">
+              <a:avLst/>
+            </a:prstGeom>
+            <a:ln w="63500">
+              <a:prstDash val="sysDash"/>
+              <a:tailEnd type="triangle"/>
+            </a:ln>
+          </p:spPr>
+          <p:style>
+            <a:lnRef idx="2">
+              <a:schemeClr val="dk1"/>
+            </a:lnRef>
+            <a:fillRef idx="0">
+              <a:schemeClr val="dk1"/>
+            </a:fillRef>
+            <a:effectRef idx="1">
+              <a:schemeClr val="dk1"/>
+            </a:effectRef>
+            <a:fontRef idx="minor">
+              <a:schemeClr val="tx1"/>
+            </a:fontRef>
+          </p:style>
+        </p:cxnSp>
+        <p:sp>
+          <p:nvSpPr>
+            <p:cNvPr id="11" name="TextBox 10">
+              <a:extLst>
+                <a:ext uri="{FF2B5EF4-FFF2-40B4-BE49-F238E27FC236}">
+                  <a16:creationId xmlns:a16="http://schemas.microsoft.com/office/drawing/2014/main" id="{A70D4DEB-571C-44C7-A24B-69601439678D}"/>
+                </a:ext>
+              </a:extLst>
+            </p:cNvPr>
+            <p:cNvSpPr txBox="1"/>
+            <p:nvPr/>
+          </p:nvSpPr>
+          <p:spPr>
+            <a:xfrm>
+              <a:off x="3784356" y="5066879"/>
+              <a:ext cx="3454644" cy="369332"/>
+            </a:xfrm>
+            <a:prstGeom prst="rect">
+              <a:avLst/>
+            </a:prstGeom>
+            <a:noFill/>
+          </p:spPr>
+          <p:txBody>
+            <a:bodyPr wrap="square" rtlCol="0">
+              <a:spAutoFit/>
+            </a:bodyPr>
+            <a:lstStyle/>
+            <a:p>
+              <a:r>
+                <a:rPr lang="pl-PL" dirty="0"/>
+                <a:t>http://mojastrona.com/products/5</a:t>
+              </a:r>
+            </a:p>
+          </p:txBody>
+        </p:sp>
+      </p:grpSp>
+      <p:pic>
+        <p:nvPicPr>
+          <p:cNvPr id="14" name="Graphic 13" descr="Database">
+            <a:extLst>
+              <a:ext uri="{FF2B5EF4-FFF2-40B4-BE49-F238E27FC236}">
+                <a16:creationId xmlns:a16="http://schemas.microsoft.com/office/drawing/2014/main" id="{E4BD2D3F-E6F3-4333-BE12-DEE7854F8049}"/>
+              </a:ext>
+            </a:extLst>
+          </p:cNvPr>
+          <p:cNvPicPr>
+            <a:picLocks noChangeAspect="1"/>
+          </p:cNvPicPr>
+          <p:nvPr/>
+        </p:nvPicPr>
+        <p:blipFill>
+          <a:blip r:embed="rId2">
+            <a:extLst>
+              <a:ext uri="{28A0092B-C50C-407E-A947-70E740481C1C}">
+                <a14:useLocalDpi xmlns:a14="http://schemas.microsoft.com/office/drawing/2010/main" val="0"/>
+              </a:ext>
+              <a:ext uri="{96DAC541-7B7A-43D3-8B79-37D633B846F1}">
+                <asvg:svgBlip xmlns:asvg="http://schemas.microsoft.com/office/drawing/2016/SVG/main" r:embed="rId3"/>
+              </a:ext>
+            </a:extLst>
+          </a:blip>
+          <a:stretch>
+            <a:fillRect/>
+          </a:stretch>
+        </p:blipFill>
+        <p:spPr>
+          <a:xfrm>
+            <a:off x="10223255" y="5414963"/>
+            <a:ext cx="914400" cy="914400"/>
+          </a:xfrm>
+          <a:prstGeom prst="rect">
+            <a:avLst/>
+          </a:prstGeom>
+        </p:spPr>
+      </p:pic>
+      <p:sp>
+        <p:nvSpPr>
+          <p:cNvPr id="15" name="TextBox 14">
+            <a:extLst>
+              <a:ext uri="{FF2B5EF4-FFF2-40B4-BE49-F238E27FC236}">
+                <a16:creationId xmlns:a16="http://schemas.microsoft.com/office/drawing/2014/main" id="{A94C3777-82D7-49C0-B6DC-D94F2AB2BD19}"/>
+              </a:ext>
+            </a:extLst>
+          </p:cNvPr>
+          <p:cNvSpPr txBox="1"/>
+          <p:nvPr/>
+        </p:nvSpPr>
+        <p:spPr>
+          <a:xfrm>
+            <a:off x="10172700" y="6172200"/>
+            <a:ext cx="942975" cy="646331"/>
+          </a:xfrm>
+          <a:prstGeom prst="rect">
+            <a:avLst/>
+          </a:prstGeom>
+          <a:noFill/>
+        </p:spPr>
+        <p:txBody>
+          <a:bodyPr wrap="square" rtlCol="0">
+            <a:spAutoFit/>
+          </a:bodyPr>
+          <a:lstStyle/>
+          <a:p>
+            <a:pPr algn="ctr"/>
+            <a:r>
+              <a:rPr lang="pl-PL" dirty="0"/>
+              <a:t>Baza danych</a:t>
+            </a:r>
+          </a:p>
+        </p:txBody>
+      </p:sp>
+      <p:grpSp>
+        <p:nvGrpSpPr>
+          <p:cNvPr id="16" name="Group 15">
+            <a:extLst>
+              <a:ext uri="{FF2B5EF4-FFF2-40B4-BE49-F238E27FC236}">
+                <a16:creationId xmlns:a16="http://schemas.microsoft.com/office/drawing/2014/main" id="{4D5EB729-7520-4789-AA16-369C6109BFC0}"/>
+              </a:ext>
+            </a:extLst>
+          </p:cNvPr>
+          <p:cNvGrpSpPr/>
+          <p:nvPr/>
+        </p:nvGrpSpPr>
+        <p:grpSpPr>
+          <a:xfrm>
+            <a:off x="3393831" y="4391441"/>
+            <a:ext cx="4645270" cy="498652"/>
+            <a:chOff x="3393831" y="5066879"/>
+            <a:chExt cx="4645270" cy="498652"/>
+          </a:xfrm>
+        </p:grpSpPr>
+        <p:cxnSp>
+          <p:nvCxnSpPr>
+            <p:cNvPr id="17" name="Straight Arrow Connector 16">
+              <a:extLst>
+                <a:ext uri="{FF2B5EF4-FFF2-40B4-BE49-F238E27FC236}">
+                  <a16:creationId xmlns:a16="http://schemas.microsoft.com/office/drawing/2014/main" id="{4725712C-C7C0-48F6-96E4-A087880E0760}"/>
+                </a:ext>
+              </a:extLst>
+            </p:cNvPr>
+            <p:cNvCxnSpPr/>
+            <p:nvPr/>
+          </p:nvCxnSpPr>
+          <p:spPr>
+            <a:xfrm>
+              <a:off x="3393831" y="5565531"/>
+              <a:ext cx="4645270" cy="0"/>
+            </a:xfrm>
+            <a:prstGeom prst="straightConnector1">
+              <a:avLst/>
+            </a:prstGeom>
+            <a:ln w="63500">
+              <a:prstDash val="sysDash"/>
+              <a:headEnd type="triangle"/>
+              <a:tailEnd type="none"/>
+            </a:ln>
+          </p:spPr>
+          <p:style>
+            <a:lnRef idx="2">
+              <a:schemeClr val="dk1"/>
+            </a:lnRef>
+            <a:fillRef idx="0">
+              <a:schemeClr val="dk1"/>
+            </a:fillRef>
+            <a:effectRef idx="1">
+              <a:schemeClr val="dk1"/>
+            </a:effectRef>
+            <a:fontRef idx="minor">
+              <a:schemeClr val="tx1"/>
+            </a:fontRef>
+          </p:style>
+        </p:cxnSp>
+        <p:sp>
+          <p:nvSpPr>
+            <p:cNvPr id="18" name="TextBox 17">
+              <a:extLst>
+                <a:ext uri="{FF2B5EF4-FFF2-40B4-BE49-F238E27FC236}">
+                  <a16:creationId xmlns:a16="http://schemas.microsoft.com/office/drawing/2014/main" id="{C29402CA-F8BE-4CC2-AFF3-9280EA411BD5}"/>
+                </a:ext>
+              </a:extLst>
+            </p:cNvPr>
+            <p:cNvSpPr txBox="1"/>
+            <p:nvPr/>
+          </p:nvSpPr>
+          <p:spPr>
+            <a:xfrm>
+              <a:off x="3784356" y="5066879"/>
+              <a:ext cx="3454644" cy="369332"/>
+            </a:xfrm>
+            <a:prstGeom prst="rect">
+              <a:avLst/>
+            </a:prstGeom>
+            <a:noFill/>
+          </p:spPr>
+          <p:txBody>
+            <a:bodyPr wrap="square" rtlCol="0">
+              <a:spAutoFit/>
+            </a:bodyPr>
+            <a:lstStyle/>
+            <a:p>
+              <a:pPr algn="ctr"/>
+              <a:r>
+                <a:rPr lang="pl-PL" dirty="0"/>
+                <a:t>Response</a:t>
+              </a:r>
+            </a:p>
+          </p:txBody>
+        </p:sp>
+      </p:grpSp>
+      <p:sp>
+        <p:nvSpPr>
+          <p:cNvPr id="19" name="Rectangle: Single Corner Snipped 18">
+            <a:extLst>
+              <a:ext uri="{FF2B5EF4-FFF2-40B4-BE49-F238E27FC236}">
+                <a16:creationId xmlns:a16="http://schemas.microsoft.com/office/drawing/2014/main" id="{1754F92E-F4E4-4E4A-9BC7-66389680BB3A}"/>
+              </a:ext>
+            </a:extLst>
+          </p:cNvPr>
+          <p:cNvSpPr/>
+          <p:nvPr/>
+        </p:nvSpPr>
+        <p:spPr>
+          <a:xfrm>
+            <a:off x="10051808" y="2350113"/>
+            <a:ext cx="1257299" cy="738553"/>
+          </a:xfrm>
+          <a:prstGeom prst="snip1Rect">
+            <a:avLst/>
+          </a:prstGeom>
+        </p:spPr>
+        <p:style>
+          <a:lnRef idx="2">
+            <a:schemeClr val="accent1">
+              <a:shade val="50000"/>
+            </a:schemeClr>
+          </a:lnRef>
+          <a:fillRef idx="1">
+            <a:schemeClr val="accent1"/>
+          </a:fillRef>
+          <a:effectRef idx="0">
+            <a:schemeClr val="accent1"/>
+          </a:effectRef>
+          <a:fontRef idx="minor">
+            <a:schemeClr val="lt1"/>
+          </a:fontRef>
+        </p:style>
+        <p:txBody>
+          <a:bodyPr rtlCol="0" anchor="ctr"/>
+          <a:lstStyle/>
+          <a:p>
+            <a:pPr algn="ctr"/>
+            <a:r>
+              <a:rPr lang="pl-PL" dirty="0"/>
+              <a:t>Index.html</a:t>
+            </a:r>
+          </a:p>
+        </p:txBody>
+      </p:sp>
+      <p:sp>
+        <p:nvSpPr>
+          <p:cNvPr id="20" name="Rectangle: Single Corner Snipped 19">
+            <a:extLst>
+              <a:ext uri="{FF2B5EF4-FFF2-40B4-BE49-F238E27FC236}">
+                <a16:creationId xmlns:a16="http://schemas.microsoft.com/office/drawing/2014/main" id="{B70ADA50-9902-49E7-89C7-12B3DDCB65C6}"/>
+              </a:ext>
+            </a:extLst>
+          </p:cNvPr>
+          <p:cNvSpPr/>
+          <p:nvPr/>
+        </p:nvSpPr>
+        <p:spPr>
+          <a:xfrm>
+            <a:off x="10051807" y="3297116"/>
+            <a:ext cx="1257299" cy="738553"/>
+          </a:xfrm>
+          <a:prstGeom prst="snip1Rect">
+            <a:avLst/>
+          </a:prstGeom>
+        </p:spPr>
+        <p:style>
+          <a:lnRef idx="2">
+            <a:schemeClr val="accent1">
+              <a:shade val="50000"/>
+            </a:schemeClr>
+          </a:lnRef>
+          <a:fillRef idx="1">
+            <a:schemeClr val="accent1"/>
+          </a:fillRef>
+          <a:effectRef idx="0">
+            <a:schemeClr val="accent1"/>
+          </a:effectRef>
+          <a:fontRef idx="minor">
+            <a:schemeClr val="lt1"/>
+          </a:fontRef>
+        </p:style>
+        <p:txBody>
+          <a:bodyPr rtlCol="0" anchor="ctr"/>
+          <a:lstStyle/>
+          <a:p>
+            <a:pPr algn="ctr"/>
+            <a:r>
+              <a:rPr lang="pl-PL" dirty="0"/>
+              <a:t>JavaScript</a:t>
+            </a:r>
+          </a:p>
+        </p:txBody>
+      </p:sp>
+      <p:sp>
+        <p:nvSpPr>
+          <p:cNvPr id="21" name="Rectangle 20">
+            <a:extLst>
+              <a:ext uri="{FF2B5EF4-FFF2-40B4-BE49-F238E27FC236}">
+                <a16:creationId xmlns:a16="http://schemas.microsoft.com/office/drawing/2014/main" id="{03B1CBD6-4D85-46CB-8FC2-386FE8B360CB}"/>
+              </a:ext>
+            </a:extLst>
+          </p:cNvPr>
+          <p:cNvSpPr/>
+          <p:nvPr/>
+        </p:nvSpPr>
+        <p:spPr>
+          <a:xfrm>
+            <a:off x="10051806" y="4266469"/>
+            <a:ext cx="1257299" cy="819150"/>
+          </a:xfrm>
+          <a:prstGeom prst="rect">
+            <a:avLst/>
+          </a:prstGeom>
+        </p:spPr>
+        <p:style>
+          <a:lnRef idx="1">
+            <a:schemeClr val="accent6"/>
+          </a:lnRef>
+          <a:fillRef idx="3">
+            <a:schemeClr val="accent6"/>
+          </a:fillRef>
+          <a:effectRef idx="2">
+            <a:schemeClr val="accent6"/>
+          </a:effectRef>
+          <a:fontRef idx="minor">
+            <a:schemeClr val="lt1"/>
+          </a:fontRef>
+        </p:style>
+        <p:txBody>
+          <a:bodyPr rtlCol="0" anchor="ctr"/>
+          <a:lstStyle/>
+          <a:p>
+            <a:pPr algn="ctr"/>
+            <a:r>
+              <a:rPr lang="pl-PL" dirty="0"/>
+              <a:t>Web service</a:t>
+            </a:r>
+          </a:p>
+        </p:txBody>
+      </p:sp>
+      <p:cxnSp>
+        <p:nvCxnSpPr>
+          <p:cNvPr id="23" name="Straight Arrow Connector 22">
+            <a:extLst>
+              <a:ext uri="{FF2B5EF4-FFF2-40B4-BE49-F238E27FC236}">
+                <a16:creationId xmlns:a16="http://schemas.microsoft.com/office/drawing/2014/main" id="{7A8BF1E7-60DB-44D1-A37E-75932FB1FC81}"/>
+              </a:ext>
+            </a:extLst>
+          </p:cNvPr>
+          <p:cNvCxnSpPr>
+            <a:cxnSpLocks/>
+          </p:cNvCxnSpPr>
+          <p:nvPr/>
+        </p:nvCxnSpPr>
+        <p:spPr>
+          <a:xfrm flipH="1">
+            <a:off x="10680454" y="5151747"/>
+            <a:ext cx="1" cy="329344"/>
+          </a:xfrm>
+          <a:prstGeom prst="straightConnector1">
+            <a:avLst/>
+          </a:prstGeom>
+          <a:ln>
+            <a:headEnd type="triangle"/>
+            <a:tailEnd type="triangle"/>
+          </a:ln>
+        </p:spPr>
+        <p:style>
+          <a:lnRef idx="1">
+            <a:schemeClr val="accent1"/>
+          </a:lnRef>
+          <a:fillRef idx="0">
+            <a:schemeClr val="accent1"/>
+          </a:fillRef>
+          <a:effectRef idx="0">
+            <a:schemeClr val="accent1"/>
+          </a:effectRef>
+          <a:fontRef idx="minor">
+            <a:schemeClr val="tx1"/>
+          </a:fontRef>
+        </p:style>
+      </p:cxnSp>
+      <p:pic>
+        <p:nvPicPr>
+          <p:cNvPr id="27" name="Graphic 26" descr="Document">
+            <a:extLst>
+              <a:ext uri="{FF2B5EF4-FFF2-40B4-BE49-F238E27FC236}">
+                <a16:creationId xmlns:a16="http://schemas.microsoft.com/office/drawing/2014/main" id="{85EE893C-BB5E-41D9-89A6-007E22B227B7}"/>
+              </a:ext>
+            </a:extLst>
+          </p:cNvPr>
+          <p:cNvPicPr>
+            <a:picLocks noChangeAspect="1"/>
+          </p:cNvPicPr>
+          <p:nvPr/>
+        </p:nvPicPr>
+        <p:blipFill>
+          <a:blip r:embed="rId4">
+            <a:extLst>
+              <a:ext uri="{28A0092B-C50C-407E-A947-70E740481C1C}">
+                <a14:useLocalDpi xmlns:a14="http://schemas.microsoft.com/office/drawing/2010/main" val="0"/>
+              </a:ext>
+              <a:ext uri="{96DAC541-7B7A-43D3-8B79-37D633B846F1}">
+                <asvg:svgBlip xmlns:asvg="http://schemas.microsoft.com/office/drawing/2016/SVG/main" r:embed="rId5"/>
+              </a:ext>
+            </a:extLst>
+          </a:blip>
+          <a:stretch>
+            <a:fillRect/>
+          </a:stretch>
+        </p:blipFill>
+        <p:spPr>
+          <a:xfrm>
+            <a:off x="10251830" y="5387645"/>
+            <a:ext cx="914400" cy="914400"/>
+          </a:xfrm>
+          <a:prstGeom prst="rect">
+            <a:avLst/>
+          </a:prstGeom>
+        </p:spPr>
+      </p:pic>
+    </p:spTree>
+    <p:extLst>
+      <p:ext uri="{BB962C8B-B14F-4D97-AF65-F5344CB8AC3E}">
+        <p14:creationId xmlns:p14="http://schemas.microsoft.com/office/powerpoint/2010/main" val="923196710"/>
+      </p:ext>
+    </p:extLst>
+  </p:cSld>
+  <p:clrMapOvr>
+    <a:masterClrMapping/>
+  </p:clrMapOvr>
+  <p:timing>
+    <p:tnLst>
+      <p:par>
+        <p:cTn id="1" dur="indefinite" restart="never" nodeType="tmRoot">
+          <p:childTnLst>
+            <p:seq concurrent="1" nextAc="seek">
+              <p:cTn id="2" dur="indefinite" nodeType="mainSeq">
+                <p:childTnLst>
+                  <p:par>
+                    <p:cTn id="3" fill="hold">
+                      <p:stCondLst>
+                        <p:cond delay="indefinite"/>
+                      </p:stCondLst>
+                      <p:childTnLst>
+                        <p:par>
+                          <p:cTn id="4" fill="hold">
+                            <p:stCondLst>
+                              <p:cond delay="0"/>
+                            </p:stCondLst>
+                            <p:childTnLst>
+                              <p:par>
+                                <p:cTn id="5" presetID="10" presetClass="entr" presetSubtype="0" fill="hold" nodeType="clickEffect">
+                                  <p:stCondLst>
+                                    <p:cond delay="0"/>
+                                  </p:stCondLst>
+                                  <p:childTnLst>
+                                    <p:set>
+                                      <p:cBhvr>
+                                        <p:cTn id="6" dur="1" fill="hold">
+                                          <p:stCondLst>
+                                            <p:cond delay="0"/>
+                                          </p:stCondLst>
+                                        </p:cTn>
+                                        <p:tgtEl>
+                                          <p:spTgt spid="12"/>
+                                        </p:tgtEl>
+                                        <p:attrNameLst>
+                                          <p:attrName>style.visibility</p:attrName>
+                                        </p:attrNameLst>
+                                      </p:cBhvr>
+                                      <p:to>
+                                        <p:strVal val="visible"/>
+                                      </p:to>
+                                    </p:set>
+                                    <p:animEffect transition="in" filter="fade">
+                                      <p:cBhvr>
+                                        <p:cTn id="7" dur="500"/>
+                                        <p:tgtEl>
+                                          <p:spTgt spid="12"/>
+                                        </p:tgtEl>
+                                      </p:cBhvr>
+                                    </p:animEffect>
+                                  </p:childTnLst>
+                                </p:cTn>
+                              </p:par>
+                            </p:childTnLst>
+                          </p:cTn>
+                        </p:par>
+                      </p:childTnLst>
+                    </p:cTn>
+                  </p:par>
+                  <p:par>
+                    <p:cTn id="8" fill="hold">
+                      <p:stCondLst>
+                        <p:cond delay="indefinite"/>
+                      </p:stCondLst>
+                      <p:childTnLst>
+                        <p:par>
+                          <p:cTn id="9" fill="hold">
+                            <p:stCondLst>
+                              <p:cond delay="0"/>
+                            </p:stCondLst>
+                            <p:childTnLst>
+                              <p:par>
+                                <p:cTn id="10" presetID="10" presetClass="entr" presetSubtype="0" fill="hold" nodeType="clickEffect">
+                                  <p:stCondLst>
+                                    <p:cond delay="0"/>
+                                  </p:stCondLst>
+                                  <p:childTnLst>
+                                    <p:set>
+                                      <p:cBhvr>
+                                        <p:cTn id="11" dur="1" fill="hold">
+                                          <p:stCondLst>
+                                            <p:cond delay="0"/>
+                                          </p:stCondLst>
+                                        </p:cTn>
+                                        <p:tgtEl>
+                                          <p:spTgt spid="27"/>
+                                        </p:tgtEl>
+                                        <p:attrNameLst>
+                                          <p:attrName>style.visibility</p:attrName>
+                                        </p:attrNameLst>
+                                      </p:cBhvr>
+                                      <p:to>
+                                        <p:strVal val="visible"/>
+                                      </p:to>
+                                    </p:set>
+                                    <p:animEffect transition="in" filter="fade">
+                                      <p:cBhvr>
+                                        <p:cTn id="12" dur="500"/>
+                                        <p:tgtEl>
+                                          <p:spTgt spid="27"/>
+                                        </p:tgtEl>
+                                      </p:cBhvr>
+                                    </p:animEffect>
+                                  </p:childTnLst>
+                                </p:cTn>
+                              </p:par>
+                            </p:childTnLst>
+                          </p:cTn>
+                        </p:par>
+                      </p:childTnLst>
+                    </p:cTn>
+                  </p:par>
+                  <p:par>
+                    <p:cTn id="13" fill="hold">
+                      <p:stCondLst>
+                        <p:cond delay="indefinite"/>
+                      </p:stCondLst>
+                      <p:childTnLst>
+                        <p:par>
+                          <p:cTn id="14" fill="hold">
+                            <p:stCondLst>
+                              <p:cond delay="0"/>
+                            </p:stCondLst>
+                            <p:childTnLst>
+                              <p:par>
+                                <p:cTn id="15" presetID="64" presetClass="path" presetSubtype="0" accel="50000" decel="50000" fill="hold" nodeType="clickEffect">
+                                  <p:stCondLst>
+                                    <p:cond delay="0"/>
+                                  </p:stCondLst>
+                                  <p:childTnLst>
+                                    <p:animMotion origin="layout" path="M 4.58333E-6 -4.81481E-6 L 4.58333E-6 -0.16759 " pathEditMode="relative" rAng="0" ptsTypes="AA">
+                                      <p:cBhvr>
+                                        <p:cTn id="16" dur="2000" fill="hold"/>
+                                        <p:tgtEl>
+                                          <p:spTgt spid="27"/>
+                                        </p:tgtEl>
+                                        <p:attrNameLst>
+                                          <p:attrName>ppt_x</p:attrName>
+                                          <p:attrName>ppt_y</p:attrName>
+                                        </p:attrNameLst>
+                                      </p:cBhvr>
+                                      <p:rCtr x="0" y="-8380"/>
+                                    </p:animMotion>
+                                  </p:childTnLst>
+                                </p:cTn>
+                              </p:par>
+                            </p:childTnLst>
+                          </p:cTn>
+                        </p:par>
+                      </p:childTnLst>
+                    </p:cTn>
+                  </p:par>
+                  <p:par>
+                    <p:cTn id="17" fill="hold">
+                      <p:stCondLst>
+                        <p:cond delay="indefinite"/>
+                      </p:stCondLst>
+                      <p:childTnLst>
+                        <p:par>
+                          <p:cTn id="18" fill="hold">
+                            <p:stCondLst>
+                              <p:cond delay="0"/>
+                            </p:stCondLst>
+                            <p:childTnLst>
+                              <p:par>
+                                <p:cTn id="19" presetID="10" presetClass="entr" presetSubtype="0" fill="hold" nodeType="clickEffect">
+                                  <p:stCondLst>
+                                    <p:cond delay="0"/>
+                                  </p:stCondLst>
+                                  <p:childTnLst>
+                                    <p:set>
+                                      <p:cBhvr>
+                                        <p:cTn id="20" dur="1" fill="hold">
+                                          <p:stCondLst>
+                                            <p:cond delay="0"/>
+                                          </p:stCondLst>
+                                        </p:cTn>
+                                        <p:tgtEl>
+                                          <p:spTgt spid="16"/>
+                                        </p:tgtEl>
+                                        <p:attrNameLst>
+                                          <p:attrName>style.visibility</p:attrName>
+                                        </p:attrNameLst>
+                                      </p:cBhvr>
+                                      <p:to>
+                                        <p:strVal val="visible"/>
+                                      </p:to>
+                                    </p:set>
+                                    <p:animEffect transition="in" filter="fade">
+                                      <p:cBhvr>
+                                        <p:cTn id="21" dur="500"/>
+                                        <p:tgtEl>
+                                          <p:spTgt spid="16"/>
+                                        </p:tgtEl>
+                                      </p:cBhvr>
+                                    </p:animEffect>
+                                  </p:childTnLst>
+                                </p:cTn>
+                              </p:par>
+                              <p:par>
+                                <p:cTn id="22" presetID="42" presetClass="path" presetSubtype="0" accel="50000" decel="50000" fill="hold" nodeType="withEffect">
+                                  <p:stCondLst>
+                                    <p:cond delay="0"/>
+                                  </p:stCondLst>
+                                  <p:childTnLst>
+                                    <p:animMotion origin="layout" path="M 4.58333E-6 -0.16759 L -0.80964 -0.16805 " pathEditMode="relative" rAng="0" ptsTypes="AA">
+                                      <p:cBhvr>
+                                        <p:cTn id="23" dur="2000" fill="hold"/>
+                                        <p:tgtEl>
+                                          <p:spTgt spid="27"/>
+                                        </p:tgtEl>
+                                        <p:attrNameLst>
+                                          <p:attrName>ppt_x</p:attrName>
+                                          <p:attrName>ppt_y</p:attrName>
+                                        </p:attrNameLst>
+                                      </p:cBhvr>
+                                      <p:rCtr x="-40482" y="-23"/>
+                                    </p:animMotion>
+                                  </p:childTnLst>
+                                </p:cTn>
+                              </p:par>
+                            </p:childTnLst>
+                          </p:cTn>
+                        </p:par>
+                      </p:childTnLst>
+                    </p:cTn>
+                  </p:par>
+                </p:childTnLst>
+              </p:cTn>
+              <p:prevCondLst>
+                <p:cond evt="onPrev" delay="0">
+                  <p:tgtEl>
+                    <p:sldTgt/>
+                  </p:tgtEl>
+                </p:cond>
+              </p:prevCondLst>
+              <p:nextCondLst>
+                <p:cond evt="onNext" delay="0">
+                  <p:tgtEl>
+                    <p:sldTgt/>
+                  </p:tgtEl>
+                </p:cond>
+              </p:nextCondLst>
+            </p:seq>
+          </p:childTnLst>
+        </p:cTn>
+      </p:par>
+    </p:tnLst>
+  </p:timing>
+</p:sld>
+</file>
+
+<file path=ppt/slides/slide20.xml><?xml version="1.0" encoding="utf-8"?>
 <p:sld xmlns:a="http://schemas.openxmlformats.org/drawingml/2006/main" xmlns:r="http://schemas.openxmlformats.org/officeDocument/2006/relationships" xmlns:p="http://schemas.openxmlformats.org/presentationml/2006/main">
   <p:cSld>
     <p:bg>
@@ -11298,7 +11672,7 @@
 </p:sld>
 </file>
 
-<file path=ppt/slides/slide22.xml><?xml version="1.0" encoding="utf-8"?>
+<file path=ppt/slides/slide21.xml><?xml version="1.0" encoding="utf-8"?>
 <p:sld xmlns:a="http://schemas.openxmlformats.org/drawingml/2006/main" xmlns:r="http://schemas.openxmlformats.org/officeDocument/2006/relationships" xmlns:p="http://schemas.openxmlformats.org/presentationml/2006/main">
   <p:cSld>
     <p:spTree>
@@ -11689,7 +12063,7 @@
 </p:sld>
 </file>
 
-<file path=ppt/slides/slide23.xml><?xml version="1.0" encoding="utf-8"?>
+<file path=ppt/slides/slide22.xml><?xml version="1.0" encoding="utf-8"?>
 <p:sld xmlns:a="http://schemas.openxmlformats.org/drawingml/2006/main" xmlns:r="http://schemas.openxmlformats.org/officeDocument/2006/relationships" xmlns:p="http://schemas.openxmlformats.org/presentationml/2006/main">
   <p:cSld>
     <p:spTree>
@@ -11845,7 +12219,7 @@
 </p:sld>
 </file>
 
-<file path=ppt/slides/slide24.xml><?xml version="1.0" encoding="utf-8"?>
+<file path=ppt/slides/slide23.xml><?xml version="1.0" encoding="utf-8"?>
 <p:sld xmlns:a="http://schemas.openxmlformats.org/drawingml/2006/main" xmlns:r="http://schemas.openxmlformats.org/officeDocument/2006/relationships" xmlns:p="http://schemas.openxmlformats.org/presentationml/2006/main">
   <p:cSld>
     <p:spTree>
@@ -12112,7 +12486,7 @@
 </p:sld>
 </file>
 
-<file path=ppt/slides/slide25.xml><?xml version="1.0" encoding="utf-8"?>
+<file path=ppt/slides/slide24.xml><?xml version="1.0" encoding="utf-8"?>
 <p:sld xmlns:a="http://schemas.openxmlformats.org/drawingml/2006/main" xmlns:r="http://schemas.openxmlformats.org/officeDocument/2006/relationships" xmlns:p="http://schemas.openxmlformats.org/presentationml/2006/main">
   <p:cSld>
     <p:spTree>
@@ -12272,1004 +12646,6 @@
 </file>
 
 <file path=ppt/slides/slide3.xml><?xml version="1.0" encoding="utf-8"?>
-<p:sld xmlns:a="http://schemas.openxmlformats.org/drawingml/2006/main" xmlns:r="http://schemas.openxmlformats.org/officeDocument/2006/relationships" xmlns:p="http://schemas.openxmlformats.org/presentationml/2006/main">
-  <p:cSld>
-    <p:spTree>
-      <p:nvGrpSpPr>
-        <p:cNvPr id="1" name=""/>
-        <p:cNvGrpSpPr/>
-        <p:nvPr/>
-      </p:nvGrpSpPr>
-      <p:grpSpPr>
-        <a:xfrm>
-          <a:off x="0" y="0"/>
-          <a:ext cx="0" cy="0"/>
-          <a:chOff x="0" y="0"/>
-          <a:chExt cx="0" cy="0"/>
-        </a:xfrm>
-      </p:grpSpPr>
-      <p:sp>
-        <p:nvSpPr>
-          <p:cNvPr id="2" name="Title 1">
-            <a:extLst>
-              <a:ext uri="{FF2B5EF4-FFF2-40B4-BE49-F238E27FC236}">
-                <a16:creationId xmlns:a16="http://schemas.microsoft.com/office/drawing/2014/main" id="{956B0174-8DC1-46DF-B5EA-618DE1F08B5F}"/>
-              </a:ext>
-            </a:extLst>
-          </p:cNvPr>
-          <p:cNvSpPr>
-            <a:spLocks noGrp="1"/>
-          </p:cNvSpPr>
-          <p:nvPr>
-            <p:ph type="title"/>
-          </p:nvPr>
-        </p:nvSpPr>
-        <p:spPr/>
-        <p:txBody>
-          <a:bodyPr/>
-          <a:lstStyle/>
-          <a:p>
-            <a:r>
-              <a:rPr lang="pl-PL" dirty="0"/>
-              <a:t>Wysyłanie requesta HTTP</a:t>
-            </a:r>
-          </a:p>
-        </p:txBody>
-      </p:sp>
-      <p:sp>
-        <p:nvSpPr>
-          <p:cNvPr id="4" name="Rectangle: Rounded Corners 3">
-            <a:extLst>
-              <a:ext uri="{FF2B5EF4-FFF2-40B4-BE49-F238E27FC236}">
-                <a16:creationId xmlns:a16="http://schemas.microsoft.com/office/drawing/2014/main" id="{365F5DEC-E822-4D2D-8BDC-BAA298FA9310}"/>
-              </a:ext>
-            </a:extLst>
-          </p:cNvPr>
-          <p:cNvSpPr/>
-          <p:nvPr/>
-        </p:nvSpPr>
-        <p:spPr>
-          <a:xfrm>
-            <a:off x="1582616" y="1820008"/>
-            <a:ext cx="1811215" cy="4703884"/>
-          </a:xfrm>
-          <a:prstGeom prst="roundRect">
-            <a:avLst/>
-          </a:prstGeom>
-        </p:spPr>
-        <p:style>
-          <a:lnRef idx="0">
-            <a:schemeClr val="accent2"/>
-          </a:lnRef>
-          <a:fillRef idx="3">
-            <a:schemeClr val="accent2"/>
-          </a:fillRef>
-          <a:effectRef idx="3">
-            <a:schemeClr val="accent2"/>
-          </a:effectRef>
-          <a:fontRef idx="minor">
-            <a:schemeClr val="lt1"/>
-          </a:fontRef>
-        </p:style>
-        <p:txBody>
-          <a:bodyPr rtlCol="0" anchor="ctr"/>
-          <a:lstStyle/>
-          <a:p>
-            <a:pPr algn="ctr"/>
-            <a:r>
-              <a:rPr lang="pl-PL" dirty="0"/>
-              <a:t>Przeglądarka</a:t>
-            </a:r>
-          </a:p>
-        </p:txBody>
-      </p:sp>
-      <p:sp>
-        <p:nvSpPr>
-          <p:cNvPr id="5" name="Rectangle: Rounded Corners 4">
-            <a:extLst>
-              <a:ext uri="{FF2B5EF4-FFF2-40B4-BE49-F238E27FC236}">
-                <a16:creationId xmlns:a16="http://schemas.microsoft.com/office/drawing/2014/main" id="{51BACAE0-4830-4702-847C-AC4181048D15}"/>
-              </a:ext>
-            </a:extLst>
-          </p:cNvPr>
-          <p:cNvSpPr/>
-          <p:nvPr/>
-        </p:nvSpPr>
-        <p:spPr>
-          <a:xfrm>
-            <a:off x="8039101" y="1820008"/>
-            <a:ext cx="1811215" cy="4703884"/>
-          </a:xfrm>
-          <a:prstGeom prst="roundRect">
-            <a:avLst/>
-          </a:prstGeom>
-        </p:spPr>
-        <p:style>
-          <a:lnRef idx="2">
-            <a:schemeClr val="accent2">
-              <a:shade val="50000"/>
-            </a:schemeClr>
-          </a:lnRef>
-          <a:fillRef idx="1">
-            <a:schemeClr val="accent2"/>
-          </a:fillRef>
-          <a:effectRef idx="0">
-            <a:schemeClr val="accent2"/>
-          </a:effectRef>
-          <a:fontRef idx="minor">
-            <a:schemeClr val="lt1"/>
-          </a:fontRef>
-        </p:style>
-        <p:txBody>
-          <a:bodyPr rtlCol="0" anchor="ctr"/>
-          <a:lstStyle/>
-          <a:p>
-            <a:pPr algn="ctr"/>
-            <a:r>
-              <a:rPr lang="pl-PL" dirty="0"/>
-              <a:t>Serwer</a:t>
-            </a:r>
-          </a:p>
-        </p:txBody>
-      </p:sp>
-      <p:sp>
-        <p:nvSpPr>
-          <p:cNvPr id="6" name="Rectangle: Single Corner Snipped 5">
-            <a:extLst>
-              <a:ext uri="{FF2B5EF4-FFF2-40B4-BE49-F238E27FC236}">
-                <a16:creationId xmlns:a16="http://schemas.microsoft.com/office/drawing/2014/main" id="{4101818B-2A4F-45F4-825D-4855E241D1DB}"/>
-              </a:ext>
-            </a:extLst>
-          </p:cNvPr>
-          <p:cNvSpPr/>
-          <p:nvPr/>
-        </p:nvSpPr>
-        <p:spPr>
-          <a:xfrm>
-            <a:off x="202224" y="2268415"/>
-            <a:ext cx="1257299" cy="738553"/>
-          </a:xfrm>
-          <a:prstGeom prst="snip1Rect">
-            <a:avLst/>
-          </a:prstGeom>
-        </p:spPr>
-        <p:style>
-          <a:lnRef idx="2">
-            <a:schemeClr val="accent1">
-              <a:shade val="50000"/>
-            </a:schemeClr>
-          </a:lnRef>
-          <a:fillRef idx="1">
-            <a:schemeClr val="accent1"/>
-          </a:fillRef>
-          <a:effectRef idx="0">
-            <a:schemeClr val="accent1"/>
-          </a:effectRef>
-          <a:fontRef idx="minor">
-            <a:schemeClr val="lt1"/>
-          </a:fontRef>
-        </p:style>
-        <p:txBody>
-          <a:bodyPr rtlCol="0" anchor="ctr"/>
-          <a:lstStyle/>
-          <a:p>
-            <a:pPr algn="ctr"/>
-            <a:r>
-              <a:rPr lang="pl-PL" dirty="0"/>
-              <a:t>Index.html</a:t>
-            </a:r>
-          </a:p>
-        </p:txBody>
-      </p:sp>
-      <p:sp>
-        <p:nvSpPr>
-          <p:cNvPr id="8" name="Rectangle: Single Corner Snipped 7">
-            <a:extLst>
-              <a:ext uri="{FF2B5EF4-FFF2-40B4-BE49-F238E27FC236}">
-                <a16:creationId xmlns:a16="http://schemas.microsoft.com/office/drawing/2014/main" id="{B9EA60DC-6556-4F10-B381-C74DCE2EB8A7}"/>
-              </a:ext>
-            </a:extLst>
-          </p:cNvPr>
-          <p:cNvSpPr/>
-          <p:nvPr/>
-        </p:nvSpPr>
-        <p:spPr>
-          <a:xfrm>
-            <a:off x="202223" y="3215418"/>
-            <a:ext cx="1257299" cy="738553"/>
-          </a:xfrm>
-          <a:prstGeom prst="snip1Rect">
-            <a:avLst/>
-          </a:prstGeom>
-        </p:spPr>
-        <p:style>
-          <a:lnRef idx="2">
-            <a:schemeClr val="accent1">
-              <a:shade val="50000"/>
-            </a:schemeClr>
-          </a:lnRef>
-          <a:fillRef idx="1">
-            <a:schemeClr val="accent1"/>
-          </a:fillRef>
-          <a:effectRef idx="0">
-            <a:schemeClr val="accent1"/>
-          </a:effectRef>
-          <a:fontRef idx="minor">
-            <a:schemeClr val="lt1"/>
-          </a:fontRef>
-        </p:style>
-        <p:txBody>
-          <a:bodyPr rtlCol="0" anchor="ctr"/>
-          <a:lstStyle/>
-          <a:p>
-            <a:pPr algn="ctr"/>
-            <a:r>
-              <a:rPr lang="pl-PL" dirty="0"/>
-              <a:t>JavaScript</a:t>
-            </a:r>
-          </a:p>
-        </p:txBody>
-      </p:sp>
-      <p:grpSp>
-        <p:nvGrpSpPr>
-          <p:cNvPr id="12" name="Group 11">
-            <a:extLst>
-              <a:ext uri="{FF2B5EF4-FFF2-40B4-BE49-F238E27FC236}">
-                <a16:creationId xmlns:a16="http://schemas.microsoft.com/office/drawing/2014/main" id="{9EAE6429-9C4F-4E0D-90BE-E12799530C02}"/>
-              </a:ext>
-            </a:extLst>
-          </p:cNvPr>
-          <p:cNvGrpSpPr/>
-          <p:nvPr/>
-        </p:nvGrpSpPr>
-        <p:grpSpPr>
-          <a:xfrm>
-            <a:off x="3393831" y="2757642"/>
-            <a:ext cx="4645270" cy="498652"/>
-            <a:chOff x="3393831" y="5066879"/>
-            <a:chExt cx="4645270" cy="498652"/>
-          </a:xfrm>
-        </p:grpSpPr>
-        <p:cxnSp>
-          <p:nvCxnSpPr>
-            <p:cNvPr id="10" name="Straight Arrow Connector 9">
-              <a:extLst>
-                <a:ext uri="{FF2B5EF4-FFF2-40B4-BE49-F238E27FC236}">
-                  <a16:creationId xmlns:a16="http://schemas.microsoft.com/office/drawing/2014/main" id="{7D5A23CA-90C2-46F8-A142-ABE1738CBBAA}"/>
-                </a:ext>
-              </a:extLst>
-            </p:cNvPr>
-            <p:cNvCxnSpPr/>
-            <p:nvPr/>
-          </p:nvCxnSpPr>
-          <p:spPr>
-            <a:xfrm>
-              <a:off x="3393831" y="5565531"/>
-              <a:ext cx="4645270" cy="0"/>
-            </a:xfrm>
-            <a:prstGeom prst="straightConnector1">
-              <a:avLst/>
-            </a:prstGeom>
-            <a:ln w="63500">
-              <a:prstDash val="sysDash"/>
-              <a:tailEnd type="triangle"/>
-            </a:ln>
-          </p:spPr>
-          <p:style>
-            <a:lnRef idx="2">
-              <a:schemeClr val="dk1"/>
-            </a:lnRef>
-            <a:fillRef idx="0">
-              <a:schemeClr val="dk1"/>
-            </a:fillRef>
-            <a:effectRef idx="1">
-              <a:schemeClr val="dk1"/>
-            </a:effectRef>
-            <a:fontRef idx="minor">
-              <a:schemeClr val="tx1"/>
-            </a:fontRef>
-          </p:style>
-        </p:cxnSp>
-        <p:sp>
-          <p:nvSpPr>
-            <p:cNvPr id="11" name="TextBox 10">
-              <a:extLst>
-                <a:ext uri="{FF2B5EF4-FFF2-40B4-BE49-F238E27FC236}">
-                  <a16:creationId xmlns:a16="http://schemas.microsoft.com/office/drawing/2014/main" id="{A70D4DEB-571C-44C7-A24B-69601439678D}"/>
-                </a:ext>
-              </a:extLst>
-            </p:cNvPr>
-            <p:cNvSpPr txBox="1"/>
-            <p:nvPr/>
-          </p:nvSpPr>
-          <p:spPr>
-            <a:xfrm>
-              <a:off x="3784356" y="5066879"/>
-              <a:ext cx="3454644" cy="369332"/>
-            </a:xfrm>
-            <a:prstGeom prst="rect">
-              <a:avLst/>
-            </a:prstGeom>
-            <a:noFill/>
-          </p:spPr>
-          <p:txBody>
-            <a:bodyPr wrap="square" rtlCol="0">
-              <a:spAutoFit/>
-            </a:bodyPr>
-            <a:lstStyle/>
-            <a:p>
-              <a:r>
-                <a:rPr lang="pl-PL" dirty="0"/>
-                <a:t>http://mojastrona.com/products/5</a:t>
-              </a:r>
-            </a:p>
-          </p:txBody>
-        </p:sp>
-      </p:grpSp>
-      <p:pic>
-        <p:nvPicPr>
-          <p:cNvPr id="14" name="Graphic 13" descr="Database">
-            <a:extLst>
-              <a:ext uri="{FF2B5EF4-FFF2-40B4-BE49-F238E27FC236}">
-                <a16:creationId xmlns:a16="http://schemas.microsoft.com/office/drawing/2014/main" id="{E4BD2D3F-E6F3-4333-BE12-DEE7854F8049}"/>
-              </a:ext>
-            </a:extLst>
-          </p:cNvPr>
-          <p:cNvPicPr>
-            <a:picLocks noChangeAspect="1"/>
-          </p:cNvPicPr>
-          <p:nvPr/>
-        </p:nvPicPr>
-        <p:blipFill>
-          <a:blip r:embed="rId2">
-            <a:extLst>
-              <a:ext uri="{28A0092B-C50C-407E-A947-70E740481C1C}">
-                <a14:useLocalDpi xmlns:a14="http://schemas.microsoft.com/office/drawing/2010/main" val="0"/>
-              </a:ext>
-              <a:ext uri="{96DAC541-7B7A-43D3-8B79-37D633B846F1}">
-                <asvg:svgBlip xmlns:asvg="http://schemas.microsoft.com/office/drawing/2016/SVG/main" r:embed="rId3"/>
-              </a:ext>
-            </a:extLst>
-          </a:blip>
-          <a:stretch>
-            <a:fillRect/>
-          </a:stretch>
-        </p:blipFill>
-        <p:spPr>
-          <a:xfrm>
-            <a:off x="10223255" y="5414963"/>
-            <a:ext cx="914400" cy="914400"/>
-          </a:xfrm>
-          <a:prstGeom prst="rect">
-            <a:avLst/>
-          </a:prstGeom>
-        </p:spPr>
-      </p:pic>
-      <p:sp>
-        <p:nvSpPr>
-          <p:cNvPr id="15" name="TextBox 14">
-            <a:extLst>
-              <a:ext uri="{FF2B5EF4-FFF2-40B4-BE49-F238E27FC236}">
-                <a16:creationId xmlns:a16="http://schemas.microsoft.com/office/drawing/2014/main" id="{A94C3777-82D7-49C0-B6DC-D94F2AB2BD19}"/>
-              </a:ext>
-            </a:extLst>
-          </p:cNvPr>
-          <p:cNvSpPr txBox="1"/>
-          <p:nvPr/>
-        </p:nvSpPr>
-        <p:spPr>
-          <a:xfrm>
-            <a:off x="10172700" y="6172200"/>
-            <a:ext cx="942975" cy="646331"/>
-          </a:xfrm>
-          <a:prstGeom prst="rect">
-            <a:avLst/>
-          </a:prstGeom>
-          <a:noFill/>
-        </p:spPr>
-        <p:txBody>
-          <a:bodyPr wrap="square" rtlCol="0">
-            <a:spAutoFit/>
-          </a:bodyPr>
-          <a:lstStyle/>
-          <a:p>
-            <a:pPr algn="ctr"/>
-            <a:r>
-              <a:rPr lang="pl-PL" dirty="0"/>
-              <a:t>Baza danych</a:t>
-            </a:r>
-          </a:p>
-        </p:txBody>
-      </p:sp>
-      <p:grpSp>
-        <p:nvGrpSpPr>
-          <p:cNvPr id="16" name="Group 15">
-            <a:extLst>
-              <a:ext uri="{FF2B5EF4-FFF2-40B4-BE49-F238E27FC236}">
-                <a16:creationId xmlns:a16="http://schemas.microsoft.com/office/drawing/2014/main" id="{4D5EB729-7520-4789-AA16-369C6109BFC0}"/>
-              </a:ext>
-            </a:extLst>
-          </p:cNvPr>
-          <p:cNvGrpSpPr/>
-          <p:nvPr/>
-        </p:nvGrpSpPr>
-        <p:grpSpPr>
-          <a:xfrm>
-            <a:off x="3393831" y="4391441"/>
-            <a:ext cx="4645270" cy="498652"/>
-            <a:chOff x="3393831" y="5066879"/>
-            <a:chExt cx="4645270" cy="498652"/>
-          </a:xfrm>
-        </p:grpSpPr>
-        <p:cxnSp>
-          <p:nvCxnSpPr>
-            <p:cNvPr id="17" name="Straight Arrow Connector 16">
-              <a:extLst>
-                <a:ext uri="{FF2B5EF4-FFF2-40B4-BE49-F238E27FC236}">
-                  <a16:creationId xmlns:a16="http://schemas.microsoft.com/office/drawing/2014/main" id="{4725712C-C7C0-48F6-96E4-A087880E0760}"/>
-                </a:ext>
-              </a:extLst>
-            </p:cNvPr>
-            <p:cNvCxnSpPr/>
-            <p:nvPr/>
-          </p:nvCxnSpPr>
-          <p:spPr>
-            <a:xfrm>
-              <a:off x="3393831" y="5565531"/>
-              <a:ext cx="4645270" cy="0"/>
-            </a:xfrm>
-            <a:prstGeom prst="straightConnector1">
-              <a:avLst/>
-            </a:prstGeom>
-            <a:ln w="63500">
-              <a:prstDash val="sysDash"/>
-              <a:headEnd type="triangle"/>
-              <a:tailEnd type="none"/>
-            </a:ln>
-          </p:spPr>
-          <p:style>
-            <a:lnRef idx="2">
-              <a:schemeClr val="dk1"/>
-            </a:lnRef>
-            <a:fillRef idx="0">
-              <a:schemeClr val="dk1"/>
-            </a:fillRef>
-            <a:effectRef idx="1">
-              <a:schemeClr val="dk1"/>
-            </a:effectRef>
-            <a:fontRef idx="minor">
-              <a:schemeClr val="tx1"/>
-            </a:fontRef>
-          </p:style>
-        </p:cxnSp>
-        <p:sp>
-          <p:nvSpPr>
-            <p:cNvPr id="18" name="TextBox 17">
-              <a:extLst>
-                <a:ext uri="{FF2B5EF4-FFF2-40B4-BE49-F238E27FC236}">
-                  <a16:creationId xmlns:a16="http://schemas.microsoft.com/office/drawing/2014/main" id="{C29402CA-F8BE-4CC2-AFF3-9280EA411BD5}"/>
-                </a:ext>
-              </a:extLst>
-            </p:cNvPr>
-            <p:cNvSpPr txBox="1"/>
-            <p:nvPr/>
-          </p:nvSpPr>
-          <p:spPr>
-            <a:xfrm>
-              <a:off x="3784356" y="5066879"/>
-              <a:ext cx="3454644" cy="369332"/>
-            </a:xfrm>
-            <a:prstGeom prst="rect">
-              <a:avLst/>
-            </a:prstGeom>
-            <a:noFill/>
-          </p:spPr>
-          <p:txBody>
-            <a:bodyPr wrap="square" rtlCol="0">
-              <a:spAutoFit/>
-            </a:bodyPr>
-            <a:lstStyle/>
-            <a:p>
-              <a:pPr algn="ctr"/>
-              <a:r>
-                <a:rPr lang="pl-PL" dirty="0"/>
-                <a:t>Response</a:t>
-              </a:r>
-            </a:p>
-          </p:txBody>
-        </p:sp>
-      </p:grpSp>
-      <p:sp>
-        <p:nvSpPr>
-          <p:cNvPr id="19" name="Rectangle: Single Corner Snipped 18">
-            <a:extLst>
-              <a:ext uri="{FF2B5EF4-FFF2-40B4-BE49-F238E27FC236}">
-                <a16:creationId xmlns:a16="http://schemas.microsoft.com/office/drawing/2014/main" id="{1754F92E-F4E4-4E4A-9BC7-66389680BB3A}"/>
-              </a:ext>
-            </a:extLst>
-          </p:cNvPr>
-          <p:cNvSpPr/>
-          <p:nvPr/>
-        </p:nvSpPr>
-        <p:spPr>
-          <a:xfrm>
-            <a:off x="10051808" y="2350113"/>
-            <a:ext cx="1257299" cy="738553"/>
-          </a:xfrm>
-          <a:prstGeom prst="snip1Rect">
-            <a:avLst/>
-          </a:prstGeom>
-        </p:spPr>
-        <p:style>
-          <a:lnRef idx="2">
-            <a:schemeClr val="accent1">
-              <a:shade val="50000"/>
-            </a:schemeClr>
-          </a:lnRef>
-          <a:fillRef idx="1">
-            <a:schemeClr val="accent1"/>
-          </a:fillRef>
-          <a:effectRef idx="0">
-            <a:schemeClr val="accent1"/>
-          </a:effectRef>
-          <a:fontRef idx="minor">
-            <a:schemeClr val="lt1"/>
-          </a:fontRef>
-        </p:style>
-        <p:txBody>
-          <a:bodyPr rtlCol="0" anchor="ctr"/>
-          <a:lstStyle/>
-          <a:p>
-            <a:pPr algn="ctr"/>
-            <a:r>
-              <a:rPr lang="pl-PL" dirty="0"/>
-              <a:t>Index.html</a:t>
-            </a:r>
-          </a:p>
-        </p:txBody>
-      </p:sp>
-      <p:sp>
-        <p:nvSpPr>
-          <p:cNvPr id="20" name="Rectangle: Single Corner Snipped 19">
-            <a:extLst>
-              <a:ext uri="{FF2B5EF4-FFF2-40B4-BE49-F238E27FC236}">
-                <a16:creationId xmlns:a16="http://schemas.microsoft.com/office/drawing/2014/main" id="{B70ADA50-9902-49E7-89C7-12B3DDCB65C6}"/>
-              </a:ext>
-            </a:extLst>
-          </p:cNvPr>
-          <p:cNvSpPr/>
-          <p:nvPr/>
-        </p:nvSpPr>
-        <p:spPr>
-          <a:xfrm>
-            <a:off x="10051807" y="3297116"/>
-            <a:ext cx="1257299" cy="738553"/>
-          </a:xfrm>
-          <a:prstGeom prst="snip1Rect">
-            <a:avLst/>
-          </a:prstGeom>
-        </p:spPr>
-        <p:style>
-          <a:lnRef idx="2">
-            <a:schemeClr val="accent1">
-              <a:shade val="50000"/>
-            </a:schemeClr>
-          </a:lnRef>
-          <a:fillRef idx="1">
-            <a:schemeClr val="accent1"/>
-          </a:fillRef>
-          <a:effectRef idx="0">
-            <a:schemeClr val="accent1"/>
-          </a:effectRef>
-          <a:fontRef idx="minor">
-            <a:schemeClr val="lt1"/>
-          </a:fontRef>
-        </p:style>
-        <p:txBody>
-          <a:bodyPr rtlCol="0" anchor="ctr"/>
-          <a:lstStyle/>
-          <a:p>
-            <a:pPr algn="ctr"/>
-            <a:r>
-              <a:rPr lang="pl-PL" dirty="0"/>
-              <a:t>JavaScript</a:t>
-            </a:r>
-          </a:p>
-        </p:txBody>
-      </p:sp>
-      <p:sp>
-        <p:nvSpPr>
-          <p:cNvPr id="21" name="Rectangle 20">
-            <a:extLst>
-              <a:ext uri="{FF2B5EF4-FFF2-40B4-BE49-F238E27FC236}">
-                <a16:creationId xmlns:a16="http://schemas.microsoft.com/office/drawing/2014/main" id="{03B1CBD6-4D85-46CB-8FC2-386FE8B360CB}"/>
-              </a:ext>
-            </a:extLst>
-          </p:cNvPr>
-          <p:cNvSpPr/>
-          <p:nvPr/>
-        </p:nvSpPr>
-        <p:spPr>
-          <a:xfrm>
-            <a:off x="10051806" y="4266469"/>
-            <a:ext cx="1257299" cy="819150"/>
-          </a:xfrm>
-          <a:prstGeom prst="rect">
-            <a:avLst/>
-          </a:prstGeom>
-        </p:spPr>
-        <p:style>
-          <a:lnRef idx="1">
-            <a:schemeClr val="accent6"/>
-          </a:lnRef>
-          <a:fillRef idx="3">
-            <a:schemeClr val="accent6"/>
-          </a:fillRef>
-          <a:effectRef idx="2">
-            <a:schemeClr val="accent6"/>
-          </a:effectRef>
-          <a:fontRef idx="minor">
-            <a:schemeClr val="lt1"/>
-          </a:fontRef>
-        </p:style>
-        <p:txBody>
-          <a:bodyPr rtlCol="0" anchor="ctr"/>
-          <a:lstStyle/>
-          <a:p>
-            <a:pPr algn="ctr"/>
-            <a:r>
-              <a:rPr lang="pl-PL" dirty="0"/>
-              <a:t>Web service</a:t>
-            </a:r>
-          </a:p>
-        </p:txBody>
-      </p:sp>
-      <p:cxnSp>
-        <p:nvCxnSpPr>
-          <p:cNvPr id="23" name="Straight Arrow Connector 22">
-            <a:extLst>
-              <a:ext uri="{FF2B5EF4-FFF2-40B4-BE49-F238E27FC236}">
-                <a16:creationId xmlns:a16="http://schemas.microsoft.com/office/drawing/2014/main" id="{7A8BF1E7-60DB-44D1-A37E-75932FB1FC81}"/>
-              </a:ext>
-            </a:extLst>
-          </p:cNvPr>
-          <p:cNvCxnSpPr>
-            <a:cxnSpLocks/>
-          </p:cNvCxnSpPr>
-          <p:nvPr/>
-        </p:nvCxnSpPr>
-        <p:spPr>
-          <a:xfrm flipH="1">
-            <a:off x="10680454" y="5151747"/>
-            <a:ext cx="1" cy="329344"/>
-          </a:xfrm>
-          <a:prstGeom prst="straightConnector1">
-            <a:avLst/>
-          </a:prstGeom>
-          <a:ln>
-            <a:headEnd type="triangle"/>
-            <a:tailEnd type="triangle"/>
-          </a:ln>
-        </p:spPr>
-        <p:style>
-          <a:lnRef idx="1">
-            <a:schemeClr val="accent1"/>
-          </a:lnRef>
-          <a:fillRef idx="0">
-            <a:schemeClr val="accent1"/>
-          </a:fillRef>
-          <a:effectRef idx="0">
-            <a:schemeClr val="accent1"/>
-          </a:effectRef>
-          <a:fontRef idx="minor">
-            <a:schemeClr val="tx1"/>
-          </a:fontRef>
-        </p:style>
-      </p:cxnSp>
-      <p:pic>
-        <p:nvPicPr>
-          <p:cNvPr id="27" name="Graphic 26" descr="Document">
-            <a:extLst>
-              <a:ext uri="{FF2B5EF4-FFF2-40B4-BE49-F238E27FC236}">
-                <a16:creationId xmlns:a16="http://schemas.microsoft.com/office/drawing/2014/main" id="{85EE893C-BB5E-41D9-89A6-007E22B227B7}"/>
-              </a:ext>
-            </a:extLst>
-          </p:cNvPr>
-          <p:cNvPicPr>
-            <a:picLocks noChangeAspect="1"/>
-          </p:cNvPicPr>
-          <p:nvPr/>
-        </p:nvPicPr>
-        <p:blipFill>
-          <a:blip r:embed="rId4">
-            <a:extLst>
-              <a:ext uri="{28A0092B-C50C-407E-A947-70E740481C1C}">
-                <a14:useLocalDpi xmlns:a14="http://schemas.microsoft.com/office/drawing/2010/main" val="0"/>
-              </a:ext>
-              <a:ext uri="{96DAC541-7B7A-43D3-8B79-37D633B846F1}">
-                <asvg:svgBlip xmlns:asvg="http://schemas.microsoft.com/office/drawing/2016/SVG/main" r:embed="rId5"/>
-              </a:ext>
-            </a:extLst>
-          </a:blip>
-          <a:stretch>
-            <a:fillRect/>
-          </a:stretch>
-        </p:blipFill>
-        <p:spPr>
-          <a:xfrm>
-            <a:off x="10251830" y="5387645"/>
-            <a:ext cx="914400" cy="914400"/>
-          </a:xfrm>
-          <a:prstGeom prst="rect">
-            <a:avLst/>
-          </a:prstGeom>
-        </p:spPr>
-      </p:pic>
-    </p:spTree>
-    <p:extLst>
-      <p:ext uri="{BB962C8B-B14F-4D97-AF65-F5344CB8AC3E}">
-        <p14:creationId xmlns:p14="http://schemas.microsoft.com/office/powerpoint/2010/main" val="923196710"/>
-      </p:ext>
-    </p:extLst>
-  </p:cSld>
-  <p:clrMapOvr>
-    <a:masterClrMapping/>
-  </p:clrMapOvr>
-  <p:timing>
-    <p:tnLst>
-      <p:par>
-        <p:cTn id="1" dur="indefinite" restart="never" nodeType="tmRoot">
-          <p:childTnLst>
-            <p:seq concurrent="1" nextAc="seek">
-              <p:cTn id="2" dur="indefinite" nodeType="mainSeq">
-                <p:childTnLst>
-                  <p:par>
-                    <p:cTn id="3" fill="hold">
-                      <p:stCondLst>
-                        <p:cond delay="indefinite"/>
-                      </p:stCondLst>
-                      <p:childTnLst>
-                        <p:par>
-                          <p:cTn id="4" fill="hold">
-                            <p:stCondLst>
-                              <p:cond delay="0"/>
-                            </p:stCondLst>
-                            <p:childTnLst>
-                              <p:par>
-                                <p:cTn id="5" presetID="10" presetClass="entr" presetSubtype="0" fill="hold" nodeType="clickEffect">
-                                  <p:stCondLst>
-                                    <p:cond delay="0"/>
-                                  </p:stCondLst>
-                                  <p:childTnLst>
-                                    <p:set>
-                                      <p:cBhvr>
-                                        <p:cTn id="6" dur="1" fill="hold">
-                                          <p:stCondLst>
-                                            <p:cond delay="0"/>
-                                          </p:stCondLst>
-                                        </p:cTn>
-                                        <p:tgtEl>
-                                          <p:spTgt spid="12"/>
-                                        </p:tgtEl>
-                                        <p:attrNameLst>
-                                          <p:attrName>style.visibility</p:attrName>
-                                        </p:attrNameLst>
-                                      </p:cBhvr>
-                                      <p:to>
-                                        <p:strVal val="visible"/>
-                                      </p:to>
-                                    </p:set>
-                                    <p:animEffect transition="in" filter="fade">
-                                      <p:cBhvr>
-                                        <p:cTn id="7" dur="500"/>
-                                        <p:tgtEl>
-                                          <p:spTgt spid="12"/>
-                                        </p:tgtEl>
-                                      </p:cBhvr>
-                                    </p:animEffect>
-                                  </p:childTnLst>
-                                </p:cTn>
-                              </p:par>
-                            </p:childTnLst>
-                          </p:cTn>
-                        </p:par>
-                      </p:childTnLst>
-                    </p:cTn>
-                  </p:par>
-                  <p:par>
-                    <p:cTn id="8" fill="hold">
-                      <p:stCondLst>
-                        <p:cond delay="indefinite"/>
-                      </p:stCondLst>
-                      <p:childTnLst>
-                        <p:par>
-                          <p:cTn id="9" fill="hold">
-                            <p:stCondLst>
-                              <p:cond delay="0"/>
-                            </p:stCondLst>
-                            <p:childTnLst>
-                              <p:par>
-                                <p:cTn id="10" presetID="10" presetClass="entr" presetSubtype="0" fill="hold" nodeType="clickEffect">
-                                  <p:stCondLst>
-                                    <p:cond delay="0"/>
-                                  </p:stCondLst>
-                                  <p:childTnLst>
-                                    <p:set>
-                                      <p:cBhvr>
-                                        <p:cTn id="11" dur="1" fill="hold">
-                                          <p:stCondLst>
-                                            <p:cond delay="0"/>
-                                          </p:stCondLst>
-                                        </p:cTn>
-                                        <p:tgtEl>
-                                          <p:spTgt spid="27"/>
-                                        </p:tgtEl>
-                                        <p:attrNameLst>
-                                          <p:attrName>style.visibility</p:attrName>
-                                        </p:attrNameLst>
-                                      </p:cBhvr>
-                                      <p:to>
-                                        <p:strVal val="visible"/>
-                                      </p:to>
-                                    </p:set>
-                                    <p:animEffect transition="in" filter="fade">
-                                      <p:cBhvr>
-                                        <p:cTn id="12" dur="500"/>
-                                        <p:tgtEl>
-                                          <p:spTgt spid="27"/>
-                                        </p:tgtEl>
-                                      </p:cBhvr>
-                                    </p:animEffect>
-                                  </p:childTnLst>
-                                </p:cTn>
-                              </p:par>
-                            </p:childTnLst>
-                          </p:cTn>
-                        </p:par>
-                      </p:childTnLst>
-                    </p:cTn>
-                  </p:par>
-                  <p:par>
-                    <p:cTn id="13" fill="hold">
-                      <p:stCondLst>
-                        <p:cond delay="indefinite"/>
-                      </p:stCondLst>
-                      <p:childTnLst>
-                        <p:par>
-                          <p:cTn id="14" fill="hold">
-                            <p:stCondLst>
-                              <p:cond delay="0"/>
-                            </p:stCondLst>
-                            <p:childTnLst>
-                              <p:par>
-                                <p:cTn id="15" presetID="64" presetClass="path" presetSubtype="0" accel="50000" decel="50000" fill="hold" nodeType="clickEffect">
-                                  <p:stCondLst>
-                                    <p:cond delay="0"/>
-                                  </p:stCondLst>
-                                  <p:childTnLst>
-                                    <p:animMotion origin="layout" path="M 4.58333E-6 -4.81481E-6 L 4.58333E-6 -0.16759 " pathEditMode="relative" rAng="0" ptsTypes="AA">
-                                      <p:cBhvr>
-                                        <p:cTn id="16" dur="2000" fill="hold"/>
-                                        <p:tgtEl>
-                                          <p:spTgt spid="27"/>
-                                        </p:tgtEl>
-                                        <p:attrNameLst>
-                                          <p:attrName>ppt_x</p:attrName>
-                                          <p:attrName>ppt_y</p:attrName>
-                                        </p:attrNameLst>
-                                      </p:cBhvr>
-                                      <p:rCtr x="0" y="-8380"/>
-                                    </p:animMotion>
-                                  </p:childTnLst>
-                                </p:cTn>
-                              </p:par>
-                            </p:childTnLst>
-                          </p:cTn>
-                        </p:par>
-                      </p:childTnLst>
-                    </p:cTn>
-                  </p:par>
-                  <p:par>
-                    <p:cTn id="17" fill="hold">
-                      <p:stCondLst>
-                        <p:cond delay="indefinite"/>
-                      </p:stCondLst>
-                      <p:childTnLst>
-                        <p:par>
-                          <p:cTn id="18" fill="hold">
-                            <p:stCondLst>
-                              <p:cond delay="0"/>
-                            </p:stCondLst>
-                            <p:childTnLst>
-                              <p:par>
-                                <p:cTn id="19" presetID="10" presetClass="entr" presetSubtype="0" fill="hold" nodeType="clickEffect">
-                                  <p:stCondLst>
-                                    <p:cond delay="0"/>
-                                  </p:stCondLst>
-                                  <p:childTnLst>
-                                    <p:set>
-                                      <p:cBhvr>
-                                        <p:cTn id="20" dur="1" fill="hold">
-                                          <p:stCondLst>
-                                            <p:cond delay="0"/>
-                                          </p:stCondLst>
-                                        </p:cTn>
-                                        <p:tgtEl>
-                                          <p:spTgt spid="16"/>
-                                        </p:tgtEl>
-                                        <p:attrNameLst>
-                                          <p:attrName>style.visibility</p:attrName>
-                                        </p:attrNameLst>
-                                      </p:cBhvr>
-                                      <p:to>
-                                        <p:strVal val="visible"/>
-                                      </p:to>
-                                    </p:set>
-                                    <p:animEffect transition="in" filter="fade">
-                                      <p:cBhvr>
-                                        <p:cTn id="21" dur="500"/>
-                                        <p:tgtEl>
-                                          <p:spTgt spid="16"/>
-                                        </p:tgtEl>
-                                      </p:cBhvr>
-                                    </p:animEffect>
-                                  </p:childTnLst>
-                                </p:cTn>
-                              </p:par>
-                              <p:par>
-                                <p:cTn id="22" presetID="42" presetClass="path" presetSubtype="0" accel="50000" decel="50000" fill="hold" nodeType="withEffect">
-                                  <p:stCondLst>
-                                    <p:cond delay="0"/>
-                                  </p:stCondLst>
-                                  <p:childTnLst>
-                                    <p:animMotion origin="layout" path="M 4.58333E-6 -0.16759 L -0.80964 -0.16805 " pathEditMode="relative" rAng="0" ptsTypes="AA">
-                                      <p:cBhvr>
-                                        <p:cTn id="23" dur="2000" fill="hold"/>
-                                        <p:tgtEl>
-                                          <p:spTgt spid="27"/>
-                                        </p:tgtEl>
-                                        <p:attrNameLst>
-                                          <p:attrName>ppt_x</p:attrName>
-                                          <p:attrName>ppt_y</p:attrName>
-                                        </p:attrNameLst>
-                                      </p:cBhvr>
-                                      <p:rCtr x="-40482" y="-23"/>
-                                    </p:animMotion>
-                                  </p:childTnLst>
-                                </p:cTn>
-                              </p:par>
-                            </p:childTnLst>
-                          </p:cTn>
-                        </p:par>
-                      </p:childTnLst>
-                    </p:cTn>
-                  </p:par>
-                </p:childTnLst>
-              </p:cTn>
-              <p:prevCondLst>
-                <p:cond evt="onPrev" delay="0">
-                  <p:tgtEl>
-                    <p:sldTgt/>
-                  </p:tgtEl>
-                </p:cond>
-              </p:prevCondLst>
-              <p:nextCondLst>
-                <p:cond evt="onNext" delay="0">
-                  <p:tgtEl>
-                    <p:sldTgt/>
-                  </p:tgtEl>
-                </p:cond>
-              </p:nextCondLst>
-            </p:seq>
-          </p:childTnLst>
-        </p:cTn>
-      </p:par>
-    </p:tnLst>
-  </p:timing>
-</p:sld>
-</file>
-
-<file path=ppt/slides/slide4.xml><?xml version="1.0" encoding="utf-8"?>
 <p:sld xmlns:a="http://schemas.openxmlformats.org/drawingml/2006/main" xmlns:r="http://schemas.openxmlformats.org/officeDocument/2006/relationships" xmlns:p="http://schemas.openxmlformats.org/presentationml/2006/main">
   <p:cSld>
     <p:spTree>
@@ -13769,7 +13145,7 @@
 </p:sld>
 </file>
 
-<file path=ppt/slides/slide5.xml><?xml version="1.0" encoding="utf-8"?>
+<file path=ppt/slides/slide4.xml><?xml version="1.0" encoding="utf-8"?>
 <p:sld xmlns:a="http://schemas.openxmlformats.org/drawingml/2006/main" xmlns:r="http://schemas.openxmlformats.org/officeDocument/2006/relationships" xmlns:p="http://schemas.openxmlformats.org/presentationml/2006/main">
   <p:cSld>
     <p:spTree>
@@ -14198,7 +13574,7 @@
 </p:sld>
 </file>
 
-<file path=ppt/slides/slide6.xml><?xml version="1.0" encoding="utf-8"?>
+<file path=ppt/slides/slide5.xml><?xml version="1.0" encoding="utf-8"?>
 <p:sld xmlns:a="http://schemas.openxmlformats.org/drawingml/2006/main" xmlns:r="http://schemas.openxmlformats.org/officeDocument/2006/relationships" xmlns:p="http://schemas.openxmlformats.org/presentationml/2006/main">
   <p:cSld>
     <p:spTree>
@@ -14895,7 +14271,7 @@
 </p:sld>
 </file>
 
-<file path=ppt/slides/slide7.xml><?xml version="1.0" encoding="utf-8"?>
+<file path=ppt/slides/slide6.xml><?xml version="1.0" encoding="utf-8"?>
 <p:sld xmlns:a="http://schemas.openxmlformats.org/drawingml/2006/main" xmlns:r="http://schemas.openxmlformats.org/officeDocument/2006/relationships" xmlns:p="http://schemas.openxmlformats.org/presentationml/2006/main">
   <p:cSld>
     <p:spTree>
@@ -15396,7 +14772,7 @@
 </p:sld>
 </file>
 
-<file path=ppt/slides/slide8.xml><?xml version="1.0" encoding="utf-8"?>
+<file path=ppt/slides/slide7.xml><?xml version="1.0" encoding="utf-8"?>
 <p:sld xmlns:a="http://schemas.openxmlformats.org/drawingml/2006/main" xmlns:r="http://schemas.openxmlformats.org/officeDocument/2006/relationships" xmlns:p="http://schemas.openxmlformats.org/presentationml/2006/main">
   <p:cSld>
     <p:spTree>
@@ -15954,6 +15330,310 @@
 </p:sld>
 </file>
 
+<file path=ppt/slides/slide8.xml><?xml version="1.0" encoding="utf-8"?>
+<p:sld xmlns:a="http://schemas.openxmlformats.org/drawingml/2006/main" xmlns:r="http://schemas.openxmlformats.org/officeDocument/2006/relationships" xmlns:p="http://schemas.openxmlformats.org/presentationml/2006/main">
+  <p:cSld>
+    <p:spTree>
+      <p:nvGrpSpPr>
+        <p:cNvPr id="1" name=""/>
+        <p:cNvGrpSpPr/>
+        <p:nvPr/>
+      </p:nvGrpSpPr>
+      <p:grpSpPr>
+        <a:xfrm>
+          <a:off x="0" y="0"/>
+          <a:ext cx="0" cy="0"/>
+          <a:chOff x="0" y="0"/>
+          <a:chExt cx="0" cy="0"/>
+        </a:xfrm>
+      </p:grpSpPr>
+      <p:sp>
+        <p:nvSpPr>
+          <p:cNvPr id="2" name="Title 1">
+            <a:extLst>
+              <a:ext uri="{FF2B5EF4-FFF2-40B4-BE49-F238E27FC236}">
+                <a16:creationId xmlns:a16="http://schemas.microsoft.com/office/drawing/2014/main" id="{32E282AA-C861-4624-A983-D76EE7085AA9}"/>
+              </a:ext>
+            </a:extLst>
+          </p:cNvPr>
+          <p:cNvSpPr>
+            <a:spLocks noGrp="1"/>
+          </p:cNvSpPr>
+          <p:nvPr>
+            <p:ph type="title"/>
+          </p:nvPr>
+        </p:nvSpPr>
+        <p:spPr/>
+        <p:txBody>
+          <a:bodyPr/>
+          <a:lstStyle/>
+          <a:p>
+            <a:r>
+              <a:rPr lang="pl-PL" dirty="0"/>
+              <a:t>Http Request</a:t>
+            </a:r>
+          </a:p>
+        </p:txBody>
+      </p:sp>
+      <p:sp>
+        <p:nvSpPr>
+          <p:cNvPr id="3" name="Content Placeholder 2">
+            <a:extLst>
+              <a:ext uri="{FF2B5EF4-FFF2-40B4-BE49-F238E27FC236}">
+                <a16:creationId xmlns:a16="http://schemas.microsoft.com/office/drawing/2014/main" id="{814655DE-7FA6-46E6-BA4A-3078DCADD897}"/>
+              </a:ext>
+            </a:extLst>
+          </p:cNvPr>
+          <p:cNvSpPr>
+            <a:spLocks noGrp="1"/>
+          </p:cNvSpPr>
+          <p:nvPr>
+            <p:ph idx="1"/>
+          </p:nvPr>
+        </p:nvSpPr>
+        <p:spPr/>
+        <p:txBody>
+          <a:bodyPr>
+            <a:normAutofit fontScale="92500" lnSpcReduction="10000"/>
+          </a:bodyPr>
+          <a:lstStyle/>
+          <a:p>
+            <a:pPr marL="0" indent="0">
+              <a:buNone/>
+            </a:pPr>
+            <a:r>
+              <a:rPr lang="pl-PL" dirty="0"/>
+              <a:t>import { Injectable } from ’</a:t>
+            </a:r>
+            <a:r>
+              <a:rPr lang="pl-PL" dirty="0">
+                <a:solidFill>
+                  <a:srgbClr val="C00000"/>
+                </a:solidFill>
+              </a:rPr>
+              <a:t>@angular/core</a:t>
+            </a:r>
+            <a:r>
+              <a:rPr lang="pl-PL" dirty="0"/>
+              <a:t>’</a:t>
+            </a:r>
+          </a:p>
+          <a:p>
+            <a:pPr marL="0" indent="0">
+              <a:buNone/>
+            </a:pPr>
+            <a:r>
+              <a:rPr lang="pl-PL" dirty="0"/>
+              <a:t>import { HttpClient } from ’</a:t>
+            </a:r>
+            <a:r>
+              <a:rPr lang="pl-PL" dirty="0">
+                <a:solidFill>
+                  <a:srgbClr val="C00000"/>
+                </a:solidFill>
+              </a:rPr>
+              <a:t>@angular/common/http</a:t>
+            </a:r>
+            <a:r>
+              <a:rPr lang="pl-PL" dirty="0"/>
+              <a:t>’</a:t>
+            </a:r>
+          </a:p>
+          <a:p>
+            <a:pPr marL="0" indent="0">
+              <a:buNone/>
+            </a:pPr>
+            <a:r>
+              <a:rPr lang="pl-PL" dirty="0"/>
+              <a:t>@Injectable</a:t>
+            </a:r>
+          </a:p>
+          <a:p>
+            <a:pPr marL="0" indent="0">
+              <a:buNone/>
+            </a:pPr>
+            <a:r>
+              <a:rPr lang="pl-PL" dirty="0">
+                <a:solidFill>
+                  <a:srgbClr val="0070C0"/>
+                </a:solidFill>
+              </a:rPr>
+              <a:t>export class </a:t>
+            </a:r>
+            <a:r>
+              <a:rPr lang="pl-PL" dirty="0"/>
+              <a:t>MyService{</a:t>
+            </a:r>
+          </a:p>
+          <a:p>
+            <a:pPr marL="0" indent="0">
+              <a:buNone/>
+            </a:pPr>
+            <a:r>
+              <a:rPr lang="pl-PL" dirty="0"/>
+              <a:t>	</a:t>
+            </a:r>
+            <a:r>
+              <a:rPr lang="pl-PL" dirty="0" err="1">
+                <a:solidFill>
+                  <a:srgbClr val="0070C0"/>
+                </a:solidFill>
+              </a:rPr>
+              <a:t>private</a:t>
+            </a:r>
+            <a:r>
+              <a:rPr lang="pl-PL" dirty="0"/>
+              <a:t> </a:t>
+            </a:r>
+            <a:r>
+              <a:rPr lang="pl-PL" dirty="0" err="1"/>
+              <a:t>heroUrl</a:t>
+            </a:r>
+            <a:r>
+              <a:rPr lang="pl-PL" dirty="0"/>
+              <a:t> = ’</a:t>
+            </a:r>
+            <a:r>
+              <a:rPr lang="pl-PL" dirty="0">
+                <a:solidFill>
+                  <a:srgbClr val="C00000"/>
+                </a:solidFill>
+              </a:rPr>
+              <a:t>www.mojastrona.com/api/products</a:t>
+            </a:r>
+            <a:r>
+              <a:rPr lang="pl-PL" dirty="0"/>
+              <a:t>’;</a:t>
+            </a:r>
+          </a:p>
+          <a:p>
+            <a:pPr marL="0" indent="0">
+              <a:buNone/>
+            </a:pPr>
+            <a:r>
+              <a:rPr lang="pl-PL" dirty="0"/>
+              <a:t>	constructor(</a:t>
+            </a:r>
+            <a:r>
+              <a:rPr lang="pl-PL" dirty="0">
+                <a:solidFill>
+                  <a:srgbClr val="0070C0"/>
+                </a:solidFill>
+              </a:rPr>
+              <a:t>private</a:t>
+            </a:r>
+            <a:r>
+              <a:rPr lang="pl-PL" dirty="0"/>
+              <a:t> _http: HttpClient){}</a:t>
+            </a:r>
+          </a:p>
+          <a:p>
+            <a:pPr marL="0" indent="0">
+              <a:buNone/>
+            </a:pPr>
+            <a:r>
+              <a:rPr lang="pl-PL" dirty="0"/>
+              <a:t>	</a:t>
+            </a:r>
+            <a:r>
+              <a:rPr lang="pl-PL" dirty="0" err="1"/>
+              <a:t>getHeroes</a:t>
+            </a:r>
+            <a:r>
+              <a:rPr lang="pl-PL" dirty="0"/>
+              <a:t>() {</a:t>
+            </a:r>
+          </a:p>
+          <a:p>
+            <a:pPr marL="0" indent="0">
+              <a:buNone/>
+            </a:pPr>
+            <a:r>
+              <a:rPr lang="pl-PL" dirty="0"/>
+              <a:t>		</a:t>
+            </a:r>
+            <a:r>
+              <a:rPr lang="pl-PL" dirty="0">
+                <a:solidFill>
+                  <a:srgbClr val="0070C0"/>
+                </a:solidFill>
+              </a:rPr>
+              <a:t>return this</a:t>
+            </a:r>
+            <a:r>
+              <a:rPr lang="pl-PL" dirty="0"/>
+              <a:t>._</a:t>
+            </a:r>
+            <a:r>
+              <a:rPr lang="pl-PL" dirty="0" err="1"/>
+              <a:t>http.get</a:t>
+            </a:r>
+            <a:r>
+              <a:rPr lang="pl-PL" dirty="0"/>
+              <a:t>&lt;Hero[]&gt;(</a:t>
+            </a:r>
+            <a:r>
+              <a:rPr lang="pl-PL" dirty="0" err="1">
+                <a:solidFill>
+                  <a:srgbClr val="0070C0"/>
+                </a:solidFill>
+              </a:rPr>
+              <a:t>this</a:t>
+            </a:r>
+            <a:r>
+              <a:rPr lang="pl-PL" dirty="0" err="1"/>
+              <a:t>.heroUrl</a:t>
+            </a:r>
+            <a:r>
+              <a:rPr lang="pl-PL" dirty="0"/>
+              <a:t>);</a:t>
+            </a:r>
+          </a:p>
+          <a:p>
+            <a:pPr marL="914400" lvl="2" indent="0">
+              <a:buNone/>
+            </a:pPr>
+            <a:r>
+              <a:rPr lang="pl-PL" sz="2800" dirty="0"/>
+              <a:t>}</a:t>
+            </a:r>
+          </a:p>
+          <a:p>
+            <a:pPr marL="0" indent="0">
+              <a:buNone/>
+            </a:pPr>
+            <a:r>
+              <a:rPr lang="pl-PL" dirty="0"/>
+              <a:t>}</a:t>
+            </a:r>
+          </a:p>
+        </p:txBody>
+      </p:sp>
+    </p:spTree>
+    <p:extLst>
+      <p:ext uri="{BB962C8B-B14F-4D97-AF65-F5344CB8AC3E}">
+        <p14:creationId xmlns:p14="http://schemas.microsoft.com/office/powerpoint/2010/main" val="2785059389"/>
+      </p:ext>
+    </p:extLst>
+  </p:cSld>
+  <p:clrMapOvr>
+    <a:masterClrMapping/>
+  </p:clrMapOvr>
+  <mc:AlternateContent xmlns:mc="http://schemas.openxmlformats.org/markup-compatibility/2006" xmlns:p14="http://schemas.microsoft.com/office/powerpoint/2010/main">
+    <mc:Choice Requires="p14">
+      <p:transition spd="med" p14:dur="700">
+        <p:fade/>
+      </p:transition>
+    </mc:Choice>
+    <mc:Fallback xmlns="">
+      <p:transition spd="med">
+        <p:fade/>
+      </p:transition>
+    </mc:Fallback>
+  </mc:AlternateContent>
+</p:sld>
+</file>
+
 <file path=ppt/slides/slide9.xml><?xml version="1.0" encoding="utf-8"?>
 <p:sld xmlns:a="http://schemas.openxmlformats.org/drawingml/2006/main" xmlns:r="http://schemas.openxmlformats.org/officeDocument/2006/relationships" xmlns:p="http://schemas.openxmlformats.org/presentationml/2006/main">
   <p:cSld>
@@ -16069,7 +15749,7 @@
             </a:pPr>
             <a:r>
               <a:rPr lang="pl-PL" dirty="0"/>
-              <a:t>@Injectable</a:t>
+              <a:t>@Injectable()</a:t>
             </a:r>
           </a:p>
           <a:p>
@@ -16165,7 +15845,15 @@
             </a:r>
             <a:r>
               <a:rPr lang="pl-PL" dirty="0"/>
-              <a:t>() {</a:t>
+              <a:t>() :</a:t>
+            </a:r>
+            <a:r>
+              <a:rPr lang="pl-PL" dirty="0" err="1"/>
+              <a:t>Observables</a:t>
+            </a:r>
+            <a:r>
+              <a:rPr lang="pl-PL" dirty="0"/>
+              <a:t>&lt;Hero[]&gt;{</a:t>
             </a:r>
           </a:p>
           <a:p>
@@ -16236,7 +15924,7 @@
     </p:spTree>
     <p:extLst>
       <p:ext uri="{BB962C8B-B14F-4D97-AF65-F5344CB8AC3E}">
-        <p14:creationId xmlns:p14="http://schemas.microsoft.com/office/powerpoint/2010/main" val="2785059389"/>
+        <p14:creationId xmlns:p14="http://schemas.microsoft.com/office/powerpoint/2010/main" val="993837744"/>
       </p:ext>
     </p:extLst>
   </p:cSld>
